--- a/2022-04-23 CUDAICA on Windows.pptx
+++ b/2022-04-23 CUDAICA on Windows.pptx
@@ -1,6 +1,6 @@
 
 <file path=ppt/presentation.xml><?xml version="1.0" encoding="utf-8"?>
-<p:presentation xmlns:a="http://schemas.openxmlformats.org/drawingml/2006/main" xmlns:r="http://schemas.openxmlformats.org/officeDocument/2006/relationships" xmlns:p="http://schemas.openxmlformats.org/presentationml/2006/main" saveSubsetFonts="1">
+<p:presentation xmlns:a="http://schemas.openxmlformats.org/drawingml/2006/main" xmlns:r="http://schemas.openxmlformats.org/officeDocument/2006/relationships" xmlns:p="http://schemas.openxmlformats.org/presentationml/2006/main" showSpecialPlsOnTitleSld="0" saveSubsetFonts="1">
   <p:sldMasterIdLst>
     <p:sldMasterId id="2147483648" r:id="rId1"/>
   </p:sldMasterIdLst>
@@ -881,7 +881,7 @@
           <a:bodyPr/>
           <a:lstStyle/>
           <a:p>
-            <a:fld id="{78D27FDD-E711-4123-BD3F-B717B9915F98}" type="datetimeFigureOut">
+            <a:fld id="{84DB3F75-5409-45E7-8523-42F5AA2A6FE0}" type="datetime1">
               <a:rPr lang="en-US" smtClean="0"/>
               <a:t>4/24/2022</a:t>
             </a:fld>
@@ -1049,7 +1049,7 @@
           <a:bodyPr/>
           <a:lstStyle/>
           <a:p>
-            <a:fld id="{78D27FDD-E711-4123-BD3F-B717B9915F98}" type="datetimeFigureOut">
+            <a:fld id="{D8571321-093F-4AB2-938D-D73A5A5965C1}" type="datetime1">
               <a:rPr lang="en-US" smtClean="0"/>
               <a:t>4/24/2022</a:t>
             </a:fld>
@@ -1227,7 +1227,7 @@
           <a:bodyPr/>
           <a:lstStyle/>
           <a:p>
-            <a:fld id="{78D27FDD-E711-4123-BD3F-B717B9915F98}" type="datetimeFigureOut">
+            <a:fld id="{F59A1020-47AB-4FE2-9869-4C7BA062B41B}" type="datetime1">
               <a:rPr lang="en-US" smtClean="0"/>
               <a:t>4/24/2022</a:t>
             </a:fld>
@@ -1457,12 +1457,17 @@
             <p:ph type="dt" sz="half" idx="10"/>
           </p:nvPr>
         </p:nvSpPr>
-        <p:spPr/>
-        <p:txBody>
-          <a:bodyPr/>
-          <a:lstStyle/>
-          <a:p>
-            <a:fld id="{78D27FDD-E711-4123-BD3F-B717B9915F98}" type="datetimeFigureOut">
+        <p:spPr>
+          <a:xfrm>
+            <a:off x="333096" y="6356350"/>
+            <a:ext cx="2743200" cy="365125"/>
+          </a:xfrm>
+        </p:spPr>
+        <p:txBody>
+          <a:bodyPr/>
+          <a:lstStyle/>
+          <a:p>
+            <a:fld id="{D8EF1DD7-0DC1-4FC5-85D0-A63329AEFF2C}" type="datetime1">
               <a:rPr lang="en-US" smtClean="0"/>
               <a:t>4/24/2022</a:t>
             </a:fld>
@@ -1499,7 +1504,12 @@
             <p:ph type="sldNum" sz="quarter" idx="12"/>
           </p:nvPr>
         </p:nvSpPr>
-        <p:spPr/>
+        <p:spPr>
+          <a:xfrm>
+            <a:off x="9106995" y="6356350"/>
+            <a:ext cx="2743200" cy="365125"/>
+          </a:xfrm>
+        </p:spPr>
         <p:txBody>
           <a:bodyPr/>
           <a:lstStyle/>
@@ -1707,7 +1717,7 @@
           <a:bodyPr/>
           <a:lstStyle/>
           <a:p>
-            <a:fld id="{78D27FDD-E711-4123-BD3F-B717B9915F98}" type="datetimeFigureOut">
+            <a:fld id="{D197BF12-EC47-4837-8E32-BE54F118B20B}" type="datetime1">
               <a:rPr lang="en-US" smtClean="0"/>
               <a:t>4/24/2022</a:t>
             </a:fld>
@@ -1936,7 +1946,7 @@
           <a:bodyPr/>
           <a:lstStyle/>
           <a:p>
-            <a:fld id="{78D27FDD-E711-4123-BD3F-B717B9915F98}" type="datetimeFigureOut">
+            <a:fld id="{C43FB7AB-F4C3-4F3A-A04C-66492D4BD50F}" type="datetime1">
               <a:rPr lang="en-US" smtClean="0"/>
               <a:t>4/24/2022</a:t>
             </a:fld>
@@ -2300,7 +2310,7 @@
           <a:bodyPr/>
           <a:lstStyle/>
           <a:p>
-            <a:fld id="{78D27FDD-E711-4123-BD3F-B717B9915F98}" type="datetimeFigureOut">
+            <a:fld id="{B8EA2497-1AB1-43D5-B209-0CB4D94000A4}" type="datetime1">
               <a:rPr lang="en-US" smtClean="0"/>
               <a:t>4/24/2022</a:t>
             </a:fld>
@@ -2417,7 +2427,7 @@
           <a:bodyPr/>
           <a:lstStyle/>
           <a:p>
-            <a:fld id="{78D27FDD-E711-4123-BD3F-B717B9915F98}" type="datetimeFigureOut">
+            <a:fld id="{86D95E22-B31E-4D6B-A54F-67770B8B77B9}" type="datetime1">
               <a:rPr lang="en-US" smtClean="0"/>
               <a:t>4/24/2022</a:t>
             </a:fld>
@@ -2512,7 +2522,7 @@
           <a:bodyPr/>
           <a:lstStyle/>
           <a:p>
-            <a:fld id="{78D27FDD-E711-4123-BD3F-B717B9915F98}" type="datetimeFigureOut">
+            <a:fld id="{A946396B-5D83-42EA-9132-93D727987CA7}" type="datetime1">
               <a:rPr lang="en-US" smtClean="0"/>
               <a:t>4/24/2022</a:t>
             </a:fld>
@@ -2787,7 +2797,7 @@
           <a:bodyPr/>
           <a:lstStyle/>
           <a:p>
-            <a:fld id="{78D27FDD-E711-4123-BD3F-B717B9915F98}" type="datetimeFigureOut">
+            <a:fld id="{D4E1AD63-6B8C-47A6-BB28-6CF5CCA307B6}" type="datetime1">
               <a:rPr lang="en-US" smtClean="0"/>
               <a:t>4/24/2022</a:t>
             </a:fld>
@@ -3039,7 +3049,7 @@
           <a:bodyPr/>
           <a:lstStyle/>
           <a:p>
-            <a:fld id="{78D27FDD-E711-4123-BD3F-B717B9915F98}" type="datetimeFigureOut">
+            <a:fld id="{8E276B44-506C-42B4-AE4F-A6A8097FE9F4}" type="datetime1">
               <a:rPr lang="en-US" smtClean="0"/>
               <a:t>4/24/2022</a:t>
             </a:fld>
@@ -3250,7 +3260,7 @@
             </a:lvl1pPr>
           </a:lstStyle>
           <a:p>
-            <a:fld id="{78D27FDD-E711-4123-BD3F-B717B9915F98}" type="datetimeFigureOut">
+            <a:fld id="{9E419D0D-89CD-4AE8-9AD9-629B08D3754A}" type="datetime1">
               <a:rPr lang="en-US" smtClean="0"/>
               <a:t>4/24/2022</a:t>
             </a:fld>
@@ -3357,6 +3367,7 @@
     <p:sldLayoutId id="2147483658" r:id="rId10"/>
     <p:sldLayoutId id="2147483659" r:id="rId11"/>
   </p:sldLayoutIdLst>
+  <p:hf hdr="0" ftr="0" dt="0"/>
   <p:txStyles>
     <p:titleStyle>
       <a:lvl1pPr algn="l" defTabSz="914400" rtl="0" eaLnBrk="1" latinLnBrk="0" hangingPunct="1">
@@ -3843,6 +3854,35 @@
           </a:prstGeom>
         </p:spPr>
       </p:pic>
+      <p:sp>
+        <p:nvSpPr>
+          <p:cNvPr id="3" name="Slide Number Placeholder 2">
+            <a:extLst>
+              <a:ext uri="{FF2B5EF4-FFF2-40B4-BE49-F238E27FC236}">
+                <a16:creationId xmlns:a16="http://schemas.microsoft.com/office/drawing/2014/main" id="{84A17801-A9D7-49D1-8B7C-00EE01E37199}"/>
+              </a:ext>
+            </a:extLst>
+          </p:cNvPr>
+          <p:cNvSpPr>
+            <a:spLocks noGrp="1"/>
+          </p:cNvSpPr>
+          <p:nvPr>
+            <p:ph type="sldNum" sz="quarter" idx="12"/>
+          </p:nvPr>
+        </p:nvSpPr>
+        <p:spPr/>
+        <p:txBody>
+          <a:bodyPr/>
+          <a:lstStyle/>
+          <a:p>
+            <a:fld id="{3280F924-4C9A-4EB0-91BE-D36BC6E675A1}" type="slidenum">
+              <a:rPr lang="en-US" smtClean="0"/>
+              <a:t>10</a:t>
+            </a:fld>
+            <a:endParaRPr lang="en-US"/>
+          </a:p>
+        </p:txBody>
+      </p:sp>
     </p:spTree>
     <p:extLst>
       <p:ext uri="{BB962C8B-B14F-4D97-AF65-F5344CB8AC3E}">
@@ -3955,6 +3995,35 @@
           </a:prstGeom>
         </p:spPr>
       </p:pic>
+      <p:sp>
+        <p:nvSpPr>
+          <p:cNvPr id="3" name="Slide Number Placeholder 2">
+            <a:extLst>
+              <a:ext uri="{FF2B5EF4-FFF2-40B4-BE49-F238E27FC236}">
+                <a16:creationId xmlns:a16="http://schemas.microsoft.com/office/drawing/2014/main" id="{85A29509-474F-41B6-899E-D5D36E202FAA}"/>
+              </a:ext>
+            </a:extLst>
+          </p:cNvPr>
+          <p:cNvSpPr>
+            <a:spLocks noGrp="1"/>
+          </p:cNvSpPr>
+          <p:nvPr>
+            <p:ph type="sldNum" sz="quarter" idx="12"/>
+          </p:nvPr>
+        </p:nvSpPr>
+        <p:spPr/>
+        <p:txBody>
+          <a:bodyPr/>
+          <a:lstStyle/>
+          <a:p>
+            <a:fld id="{3280F924-4C9A-4EB0-91BE-D36BC6E675A1}" type="slidenum">
+              <a:rPr lang="en-US" smtClean="0"/>
+              <a:t>11</a:t>
+            </a:fld>
+            <a:endParaRPr lang="en-US"/>
+          </a:p>
+        </p:txBody>
+      </p:sp>
     </p:spTree>
     <p:extLst>
       <p:ext uri="{BB962C8B-B14F-4D97-AF65-F5344CB8AC3E}">
@@ -4067,6 +4136,35 @@
           </a:prstGeom>
         </p:spPr>
       </p:pic>
+      <p:sp>
+        <p:nvSpPr>
+          <p:cNvPr id="5" name="Slide Number Placeholder 4">
+            <a:extLst>
+              <a:ext uri="{FF2B5EF4-FFF2-40B4-BE49-F238E27FC236}">
+                <a16:creationId xmlns:a16="http://schemas.microsoft.com/office/drawing/2014/main" id="{135EF57D-BE31-4D14-B05D-A28D244014A5}"/>
+              </a:ext>
+            </a:extLst>
+          </p:cNvPr>
+          <p:cNvSpPr>
+            <a:spLocks noGrp="1"/>
+          </p:cNvSpPr>
+          <p:nvPr>
+            <p:ph type="sldNum" sz="quarter" idx="12"/>
+          </p:nvPr>
+        </p:nvSpPr>
+        <p:spPr/>
+        <p:txBody>
+          <a:bodyPr/>
+          <a:lstStyle/>
+          <a:p>
+            <a:fld id="{3280F924-4C9A-4EB0-91BE-D36BC6E675A1}" type="slidenum">
+              <a:rPr lang="en-US" smtClean="0"/>
+              <a:t>12</a:t>
+            </a:fld>
+            <a:endParaRPr lang="en-US"/>
+          </a:p>
+        </p:txBody>
+      </p:sp>
     </p:spTree>
     <p:extLst>
       <p:ext uri="{BB962C8B-B14F-4D97-AF65-F5344CB8AC3E}">
@@ -4134,7 +4232,7 @@
         <p:spPr>
           <a:xfrm>
             <a:off x="338667" y="971062"/>
-            <a:ext cx="11514666" cy="5618274"/>
+            <a:ext cx="11514666" cy="5791688"/>
           </a:xfrm>
         </p:spPr>
         <p:txBody>
@@ -4152,15 +4250,7 @@
             <a:pPr lvl="1"/>
             <a:r>
               <a:rPr lang="en-US" sz="1600" dirty="0"/>
-              <a:t>Recommend: &gt; GeForce GTX 960 or GTX 1050Ti, or recent TITAN, Tesla and </a:t>
-            </a:r>
-            <a:r>
-              <a:rPr lang="en-US" sz="1600" dirty="0" err="1"/>
-              <a:t>Quadro</a:t>
-            </a:r>
-            <a:r>
-              <a:rPr lang="en-US" sz="1600" dirty="0"/>
-              <a:t> series.</a:t>
+              <a:t>Recommend: &gt; GeForce GTX 960 or GTX 1050Ti, or recent TITAN, Tesla and Quadro series.</a:t>
             </a:r>
           </a:p>
           <a:p>
@@ -4208,7 +4298,7 @@
             <a:pPr lvl="2"/>
             <a:r>
               <a:rPr lang="en-US" sz="1600" dirty="0"/>
-              <a:t>If you directly use the pre-compiled exe file, only CUDA runtime and the latest driver is needed.</a:t>
+              <a:t>If you directly use the pre-compiled exe file, only CUDA runtime and the latest driver are needed.</a:t>
             </a:r>
           </a:p>
           <a:p>
@@ -4287,120 +4377,120 @@
           <a:p>
             <a:pPr lvl="1"/>
             <a:r>
-              <a:rPr lang="en-US" sz="1400" dirty="0"/>
+              <a:rPr lang="en-US" sz="1500" dirty="0"/>
               <a:t>Intel MKL 2020 default location: “</a:t>
             </a:r>
             <a:r>
-              <a:rPr lang="en-US" sz="1400" dirty="0">
+              <a:rPr lang="en-US" sz="1500" dirty="0">
                 <a:hlinkClick r:id="rId5" action="ppaction://hlinkfile"/>
               </a:rPr>
               <a:t>C:\Program Files (x86)\</a:t>
             </a:r>
             <a:r>
-              <a:rPr lang="en-US" sz="1400" dirty="0" err="1">
+              <a:rPr lang="en-US" sz="1500" dirty="0" err="1">
                 <a:hlinkClick r:id="rId5" action="ppaction://hlinkfile"/>
               </a:rPr>
               <a:t>IntelSWTools</a:t>
             </a:r>
             <a:r>
-              <a:rPr lang="en-US" sz="1400" dirty="0">
+              <a:rPr lang="en-US" sz="1500" dirty="0">
                 <a:hlinkClick r:id="rId5" action="ppaction://hlinkfile"/>
               </a:rPr>
               <a:t>\</a:t>
             </a:r>
             <a:r>
-              <a:rPr lang="en-US" sz="1400" dirty="0" err="1">
+              <a:rPr lang="en-US" sz="1500" dirty="0" err="1">
                 <a:hlinkClick r:id="rId5" action="ppaction://hlinkfile"/>
               </a:rPr>
               <a:t>compilers_and_libraries</a:t>
             </a:r>
             <a:r>
-              <a:rPr lang="en-US" sz="1400" dirty="0">
+              <a:rPr lang="en-US" sz="1500" dirty="0">
                 <a:hlinkClick r:id="rId5" action="ppaction://hlinkfile"/>
               </a:rPr>
               <a:t>\windows\</a:t>
             </a:r>
             <a:r>
-              <a:rPr lang="en-US" sz="1400" dirty="0" err="1">
+              <a:rPr lang="en-US" sz="1500" dirty="0" err="1">
                 <a:hlinkClick r:id="rId5" action="ppaction://hlinkfile"/>
               </a:rPr>
               <a:t>redist</a:t>
             </a:r>
             <a:r>
-              <a:rPr lang="en-US" sz="1400" dirty="0">
+              <a:rPr lang="en-US" sz="1500" dirty="0">
                 <a:hlinkClick r:id="rId5" action="ppaction://hlinkfile"/>
               </a:rPr>
               <a:t>\intel64\</a:t>
             </a:r>
             <a:r>
-              <a:rPr lang="en-US" sz="1400" dirty="0" err="1">
+              <a:rPr lang="en-US" sz="1500" dirty="0" err="1">
                 <a:hlinkClick r:id="rId5" action="ppaction://hlinkfile"/>
               </a:rPr>
               <a:t>mkl</a:t>
             </a:r>
             <a:r>
-              <a:rPr lang="en-US" sz="1400" dirty="0"/>
+              <a:rPr lang="en-US" sz="1500" dirty="0"/>
               <a:t>”</a:t>
             </a:r>
           </a:p>
           <a:p>
             <a:pPr lvl="1"/>
             <a:r>
-              <a:rPr lang="en-US" sz="1400" dirty="0"/>
+              <a:rPr lang="en-US" sz="1500" dirty="0"/>
               <a:t>Intel </a:t>
             </a:r>
             <a:r>
-              <a:rPr lang="en-US" sz="1400" dirty="0" err="1"/>
+              <a:rPr lang="en-US" sz="1500" dirty="0" err="1"/>
               <a:t>OneAPI</a:t>
             </a:r>
             <a:r>
-              <a:rPr lang="en-US" sz="1400" dirty="0"/>
+              <a:rPr lang="en-US" sz="1500" dirty="0"/>
               <a:t> 2022 default location: “</a:t>
             </a:r>
             <a:r>
-              <a:rPr lang="en-US" sz="1400" dirty="0">
+              <a:rPr lang="en-US" sz="1500" dirty="0">
                 <a:hlinkClick r:id="rId6" action="ppaction://hlinkfile"/>
               </a:rPr>
               <a:t>C:\Program Files (x86)\Intel\</a:t>
             </a:r>
             <a:r>
-              <a:rPr lang="en-US" sz="1400" dirty="0" err="1">
+              <a:rPr lang="en-US" sz="1500" dirty="0" err="1">
                 <a:hlinkClick r:id="rId6" action="ppaction://hlinkfile"/>
               </a:rPr>
               <a:t>oneAPI</a:t>
             </a:r>
             <a:r>
-              <a:rPr lang="en-US" sz="1400" dirty="0">
+              <a:rPr lang="en-US" sz="1500" dirty="0">
                 <a:hlinkClick r:id="rId6" action="ppaction://hlinkfile"/>
               </a:rPr>
               <a:t>\</a:t>
             </a:r>
             <a:r>
-              <a:rPr lang="en-US" sz="1400" dirty="0" err="1">
+              <a:rPr lang="en-US" sz="1500" dirty="0" err="1">
                 <a:hlinkClick r:id="rId6" action="ppaction://hlinkfile"/>
               </a:rPr>
               <a:t>mkl</a:t>
             </a:r>
             <a:r>
-              <a:rPr lang="en-US" sz="1400" dirty="0">
+              <a:rPr lang="en-US" sz="1500" dirty="0">
                 <a:hlinkClick r:id="rId6" action="ppaction://hlinkfile"/>
               </a:rPr>
               <a:t>\latest\</a:t>
             </a:r>
             <a:r>
-              <a:rPr lang="en-US" sz="1400" dirty="0" err="1">
+              <a:rPr lang="en-US" sz="1500" dirty="0" err="1">
                 <a:hlinkClick r:id="rId6" action="ppaction://hlinkfile"/>
               </a:rPr>
               <a:t>redist</a:t>
             </a:r>
             <a:r>
-              <a:rPr lang="en-US" sz="1400" dirty="0">
+              <a:rPr lang="en-US" sz="1500" dirty="0">
                 <a:hlinkClick r:id="rId6" action="ppaction://hlinkfile"/>
               </a:rPr>
               <a:t>\intel64</a:t>
             </a:r>
             <a:r>
-              <a:rPr lang="en-US" sz="1400" dirty="0"/>
+              <a:rPr lang="en-US" sz="1500" dirty="0"/>
               <a:t>”</a:t>
             </a:r>
           </a:p>
@@ -4411,8 +4501,37 @@
           <a:p>
             <a:r>
               <a:rPr lang="en-US" sz="1800" dirty="0"/>
-              <a:t>No space (“ ”) character in the EEGLAB plugin’s directory.</a:t>
-            </a:r>
+              <a:t>No space character (“ ”) in the EEGLAB plugin’s directory.</a:t>
+            </a:r>
+          </a:p>
+        </p:txBody>
+      </p:sp>
+      <p:sp>
+        <p:nvSpPr>
+          <p:cNvPr id="4" name="Slide Number Placeholder 3">
+            <a:extLst>
+              <a:ext uri="{FF2B5EF4-FFF2-40B4-BE49-F238E27FC236}">
+                <a16:creationId xmlns:a16="http://schemas.microsoft.com/office/drawing/2014/main" id="{0DFBB2F0-5E48-48F9-B3EA-F1B23050D770}"/>
+              </a:ext>
+            </a:extLst>
+          </p:cNvPr>
+          <p:cNvSpPr>
+            <a:spLocks noGrp="1"/>
+          </p:cNvSpPr>
+          <p:nvPr>
+            <p:ph type="sldNum" sz="quarter" idx="12"/>
+          </p:nvPr>
+        </p:nvSpPr>
+        <p:spPr/>
+        <p:txBody>
+          <a:bodyPr/>
+          <a:lstStyle/>
+          <a:p>
+            <a:fld id="{3280F924-4C9A-4EB0-91BE-D36BC6E675A1}" type="slidenum">
+              <a:rPr lang="en-US" smtClean="0"/>
+              <a:t>13</a:t>
+            </a:fld>
+            <a:endParaRPr lang="en-US"/>
           </a:p>
         </p:txBody>
       </p:sp>
@@ -4426,586 +4545,6 @@
   <p:clrMapOvr>
     <a:masterClrMapping/>
   </p:clrMapOvr>
-  <p:timing>
-    <p:tnLst>
-      <p:par>
-        <p:cTn id="1" dur="indefinite" restart="never" nodeType="tmRoot">
-          <p:childTnLst>
-            <p:seq concurrent="1" nextAc="seek">
-              <p:cTn id="2" dur="indefinite" nodeType="mainSeq">
-                <p:childTnLst>
-                  <p:par>
-                    <p:cTn id="3" fill="hold">
-                      <p:stCondLst>
-                        <p:cond delay="indefinite"/>
-                      </p:stCondLst>
-                      <p:childTnLst>
-                        <p:par>
-                          <p:cTn id="4" fill="hold">
-                            <p:stCondLst>
-                              <p:cond delay="0"/>
-                            </p:stCondLst>
-                            <p:childTnLst>
-                              <p:par>
-                                <p:cTn id="5" presetID="1" presetClass="entr" presetSubtype="0" fill="hold" nodeType="clickEffect">
-                                  <p:stCondLst>
-                                    <p:cond delay="0"/>
-                                  </p:stCondLst>
-                                  <p:childTnLst>
-                                    <p:set>
-                                      <p:cBhvr>
-                                        <p:cTn id="6" dur="1" fill="hold">
-                                          <p:stCondLst>
-                                            <p:cond delay="0"/>
-                                          </p:stCondLst>
-                                        </p:cTn>
-                                        <p:tgtEl>
-                                          <p:spTgt spid="3">
-                                            <p:txEl>
-                                              <p:pRg st="0" end="0"/>
-                                            </p:txEl>
-                                          </p:spTgt>
-                                        </p:tgtEl>
-                                        <p:attrNameLst>
-                                          <p:attrName>style.visibility</p:attrName>
-                                        </p:attrNameLst>
-                                      </p:cBhvr>
-                                      <p:to>
-                                        <p:strVal val="visible"/>
-                                      </p:to>
-                                    </p:set>
-                                  </p:childTnLst>
-                                </p:cTn>
-                              </p:par>
-                              <p:par>
-                                <p:cTn id="7" presetID="1" presetClass="entr" presetSubtype="0" fill="hold" nodeType="withEffect">
-                                  <p:stCondLst>
-                                    <p:cond delay="0"/>
-                                  </p:stCondLst>
-                                  <p:childTnLst>
-                                    <p:set>
-                                      <p:cBhvr>
-                                        <p:cTn id="8" dur="1" fill="hold">
-                                          <p:stCondLst>
-                                            <p:cond delay="0"/>
-                                          </p:stCondLst>
-                                        </p:cTn>
-                                        <p:tgtEl>
-                                          <p:spTgt spid="3">
-                                            <p:txEl>
-                                              <p:pRg st="1" end="1"/>
-                                            </p:txEl>
-                                          </p:spTgt>
-                                        </p:tgtEl>
-                                        <p:attrNameLst>
-                                          <p:attrName>style.visibility</p:attrName>
-                                        </p:attrNameLst>
-                                      </p:cBhvr>
-                                      <p:to>
-                                        <p:strVal val="visible"/>
-                                      </p:to>
-                                    </p:set>
-                                  </p:childTnLst>
-                                </p:cTn>
-                              </p:par>
-                              <p:par>
-                                <p:cTn id="9" presetID="1" presetClass="entr" presetSubtype="0" fill="hold" nodeType="withEffect">
-                                  <p:stCondLst>
-                                    <p:cond delay="0"/>
-                                  </p:stCondLst>
-                                  <p:childTnLst>
-                                    <p:set>
-                                      <p:cBhvr>
-                                        <p:cTn id="10" dur="1" fill="hold">
-                                          <p:stCondLst>
-                                            <p:cond delay="0"/>
-                                          </p:stCondLst>
-                                        </p:cTn>
-                                        <p:tgtEl>
-                                          <p:spTgt spid="3">
-                                            <p:txEl>
-                                              <p:pRg st="2" end="2"/>
-                                            </p:txEl>
-                                          </p:spTgt>
-                                        </p:tgtEl>
-                                        <p:attrNameLst>
-                                          <p:attrName>style.visibility</p:attrName>
-                                        </p:attrNameLst>
-                                      </p:cBhvr>
-                                      <p:to>
-                                        <p:strVal val="visible"/>
-                                      </p:to>
-                                    </p:set>
-                                  </p:childTnLst>
-                                </p:cTn>
-                              </p:par>
-                              <p:par>
-                                <p:cTn id="11" presetID="1" presetClass="entr" presetSubtype="0" fill="hold" nodeType="withEffect">
-                                  <p:stCondLst>
-                                    <p:cond delay="0"/>
-                                  </p:stCondLst>
-                                  <p:childTnLst>
-                                    <p:set>
-                                      <p:cBhvr>
-                                        <p:cTn id="12" dur="1" fill="hold">
-                                          <p:stCondLst>
-                                            <p:cond delay="0"/>
-                                          </p:stCondLst>
-                                        </p:cTn>
-                                        <p:tgtEl>
-                                          <p:spTgt spid="3">
-                                            <p:txEl>
-                                              <p:pRg st="3" end="3"/>
-                                            </p:txEl>
-                                          </p:spTgt>
-                                        </p:tgtEl>
-                                        <p:attrNameLst>
-                                          <p:attrName>style.visibility</p:attrName>
-                                        </p:attrNameLst>
-                                      </p:cBhvr>
-                                      <p:to>
-                                        <p:strVal val="visible"/>
-                                      </p:to>
-                                    </p:set>
-                                  </p:childTnLst>
-                                </p:cTn>
-                              </p:par>
-                            </p:childTnLst>
-                          </p:cTn>
-                        </p:par>
-                      </p:childTnLst>
-                    </p:cTn>
-                  </p:par>
-                  <p:par>
-                    <p:cTn id="13" fill="hold">
-                      <p:stCondLst>
-                        <p:cond delay="indefinite"/>
-                      </p:stCondLst>
-                      <p:childTnLst>
-                        <p:par>
-                          <p:cTn id="14" fill="hold">
-                            <p:stCondLst>
-                              <p:cond delay="0"/>
-                            </p:stCondLst>
-                            <p:childTnLst>
-                              <p:par>
-                                <p:cTn id="15" presetID="1" presetClass="entr" presetSubtype="0" fill="hold" nodeType="clickEffect">
-                                  <p:stCondLst>
-                                    <p:cond delay="0"/>
-                                  </p:stCondLst>
-                                  <p:childTnLst>
-                                    <p:set>
-                                      <p:cBhvr>
-                                        <p:cTn id="16" dur="1" fill="hold">
-                                          <p:stCondLst>
-                                            <p:cond delay="0"/>
-                                          </p:stCondLst>
-                                        </p:cTn>
-                                        <p:tgtEl>
-                                          <p:spTgt spid="3">
-                                            <p:txEl>
-                                              <p:pRg st="5" end="5"/>
-                                            </p:txEl>
-                                          </p:spTgt>
-                                        </p:tgtEl>
-                                        <p:attrNameLst>
-                                          <p:attrName>style.visibility</p:attrName>
-                                        </p:attrNameLst>
-                                      </p:cBhvr>
-                                      <p:to>
-                                        <p:strVal val="visible"/>
-                                      </p:to>
-                                    </p:set>
-                                  </p:childTnLst>
-                                </p:cTn>
-                              </p:par>
-                              <p:par>
-                                <p:cTn id="17" presetID="1" presetClass="entr" presetSubtype="0" fill="hold" nodeType="withEffect">
-                                  <p:stCondLst>
-                                    <p:cond delay="0"/>
-                                  </p:stCondLst>
-                                  <p:childTnLst>
-                                    <p:set>
-                                      <p:cBhvr>
-                                        <p:cTn id="18" dur="1" fill="hold">
-                                          <p:stCondLst>
-                                            <p:cond delay="0"/>
-                                          </p:stCondLst>
-                                        </p:cTn>
-                                        <p:tgtEl>
-                                          <p:spTgt spid="3">
-                                            <p:txEl>
-                                              <p:pRg st="6" end="6"/>
-                                            </p:txEl>
-                                          </p:spTgt>
-                                        </p:tgtEl>
-                                        <p:attrNameLst>
-                                          <p:attrName>style.visibility</p:attrName>
-                                        </p:attrNameLst>
-                                      </p:cBhvr>
-                                      <p:to>
-                                        <p:strVal val="visible"/>
-                                      </p:to>
-                                    </p:set>
-                                  </p:childTnLst>
-                                </p:cTn>
-                              </p:par>
-                              <p:par>
-                                <p:cTn id="19" presetID="1" presetClass="entr" presetSubtype="0" fill="hold" nodeType="withEffect">
-                                  <p:stCondLst>
-                                    <p:cond delay="0"/>
-                                  </p:stCondLst>
-                                  <p:childTnLst>
-                                    <p:set>
-                                      <p:cBhvr>
-                                        <p:cTn id="20" dur="1" fill="hold">
-                                          <p:stCondLst>
-                                            <p:cond delay="0"/>
-                                          </p:stCondLst>
-                                        </p:cTn>
-                                        <p:tgtEl>
-                                          <p:spTgt spid="3">
-                                            <p:txEl>
-                                              <p:pRg st="7" end="7"/>
-                                            </p:txEl>
-                                          </p:spTgt>
-                                        </p:tgtEl>
-                                        <p:attrNameLst>
-                                          <p:attrName>style.visibility</p:attrName>
-                                        </p:attrNameLst>
-                                      </p:cBhvr>
-                                      <p:to>
-                                        <p:strVal val="visible"/>
-                                      </p:to>
-                                    </p:set>
-                                  </p:childTnLst>
-                                </p:cTn>
-                              </p:par>
-                              <p:par>
-                                <p:cTn id="21" presetID="1" presetClass="entr" presetSubtype="0" fill="hold" nodeType="withEffect">
-                                  <p:stCondLst>
-                                    <p:cond delay="0"/>
-                                  </p:stCondLst>
-                                  <p:childTnLst>
-                                    <p:set>
-                                      <p:cBhvr>
-                                        <p:cTn id="22" dur="1" fill="hold">
-                                          <p:stCondLst>
-                                            <p:cond delay="0"/>
-                                          </p:stCondLst>
-                                        </p:cTn>
-                                        <p:tgtEl>
-                                          <p:spTgt spid="3">
-                                            <p:txEl>
-                                              <p:pRg st="8" end="8"/>
-                                            </p:txEl>
-                                          </p:spTgt>
-                                        </p:tgtEl>
-                                        <p:attrNameLst>
-                                          <p:attrName>style.visibility</p:attrName>
-                                        </p:attrNameLst>
-                                      </p:cBhvr>
-                                      <p:to>
-                                        <p:strVal val="visible"/>
-                                      </p:to>
-                                    </p:set>
-                                  </p:childTnLst>
-                                </p:cTn>
-                              </p:par>
-                              <p:par>
-                                <p:cTn id="23" presetID="1" presetClass="entr" presetSubtype="0" fill="hold" nodeType="withEffect">
-                                  <p:stCondLst>
-                                    <p:cond delay="0"/>
-                                  </p:stCondLst>
-                                  <p:childTnLst>
-                                    <p:set>
-                                      <p:cBhvr>
-                                        <p:cTn id="24" dur="1" fill="hold">
-                                          <p:stCondLst>
-                                            <p:cond delay="0"/>
-                                          </p:stCondLst>
-                                        </p:cTn>
-                                        <p:tgtEl>
-                                          <p:spTgt spid="3">
-                                            <p:txEl>
-                                              <p:pRg st="9" end="9"/>
-                                            </p:txEl>
-                                          </p:spTgt>
-                                        </p:tgtEl>
-                                        <p:attrNameLst>
-                                          <p:attrName>style.visibility</p:attrName>
-                                        </p:attrNameLst>
-                                      </p:cBhvr>
-                                      <p:to>
-                                        <p:strVal val="visible"/>
-                                      </p:to>
-                                    </p:set>
-                                  </p:childTnLst>
-                                </p:cTn>
-                              </p:par>
-                              <p:par>
-                                <p:cTn id="25" presetID="1" presetClass="entr" presetSubtype="0" fill="hold" nodeType="withEffect">
-                                  <p:stCondLst>
-                                    <p:cond delay="0"/>
-                                  </p:stCondLst>
-                                  <p:childTnLst>
-                                    <p:set>
-                                      <p:cBhvr>
-                                        <p:cTn id="26" dur="1" fill="hold">
-                                          <p:stCondLst>
-                                            <p:cond delay="0"/>
-                                          </p:stCondLst>
-                                        </p:cTn>
-                                        <p:tgtEl>
-                                          <p:spTgt spid="3">
-                                            <p:txEl>
-                                              <p:pRg st="10" end="10"/>
-                                            </p:txEl>
-                                          </p:spTgt>
-                                        </p:tgtEl>
-                                        <p:attrNameLst>
-                                          <p:attrName>style.visibility</p:attrName>
-                                        </p:attrNameLst>
-                                      </p:cBhvr>
-                                      <p:to>
-                                        <p:strVal val="visible"/>
-                                      </p:to>
-                                    </p:set>
-                                  </p:childTnLst>
-                                </p:cTn>
-                              </p:par>
-                              <p:par>
-                                <p:cTn id="27" presetID="1" presetClass="entr" presetSubtype="0" fill="hold" nodeType="withEffect">
-                                  <p:stCondLst>
-                                    <p:cond delay="0"/>
-                                  </p:stCondLst>
-                                  <p:childTnLst>
-                                    <p:set>
-                                      <p:cBhvr>
-                                        <p:cTn id="28" dur="1" fill="hold">
-                                          <p:stCondLst>
-                                            <p:cond delay="0"/>
-                                          </p:stCondLst>
-                                        </p:cTn>
-                                        <p:tgtEl>
-                                          <p:spTgt spid="3">
-                                            <p:txEl>
-                                              <p:pRg st="11" end="11"/>
-                                            </p:txEl>
-                                          </p:spTgt>
-                                        </p:tgtEl>
-                                        <p:attrNameLst>
-                                          <p:attrName>style.visibility</p:attrName>
-                                        </p:attrNameLst>
-                                      </p:cBhvr>
-                                      <p:to>
-                                        <p:strVal val="visible"/>
-                                      </p:to>
-                                    </p:set>
-                                  </p:childTnLst>
-                                </p:cTn>
-                              </p:par>
-                              <p:par>
-                                <p:cTn id="29" presetID="1" presetClass="entr" presetSubtype="0" fill="hold" nodeType="withEffect">
-                                  <p:stCondLst>
-                                    <p:cond delay="0"/>
-                                  </p:stCondLst>
-                                  <p:childTnLst>
-                                    <p:set>
-                                      <p:cBhvr>
-                                        <p:cTn id="30" dur="1" fill="hold">
-                                          <p:stCondLst>
-                                            <p:cond delay="0"/>
-                                          </p:stCondLst>
-                                        </p:cTn>
-                                        <p:tgtEl>
-                                          <p:spTgt spid="3">
-                                            <p:txEl>
-                                              <p:pRg st="12" end="12"/>
-                                            </p:txEl>
-                                          </p:spTgt>
-                                        </p:tgtEl>
-                                        <p:attrNameLst>
-                                          <p:attrName>style.visibility</p:attrName>
-                                        </p:attrNameLst>
-                                      </p:cBhvr>
-                                      <p:to>
-                                        <p:strVal val="visible"/>
-                                      </p:to>
-                                    </p:set>
-                                  </p:childTnLst>
-                                </p:cTn>
-                              </p:par>
-                              <p:par>
-                                <p:cTn id="31" presetID="1" presetClass="entr" presetSubtype="0" fill="hold" nodeType="withEffect">
-                                  <p:stCondLst>
-                                    <p:cond delay="0"/>
-                                  </p:stCondLst>
-                                  <p:childTnLst>
-                                    <p:set>
-                                      <p:cBhvr>
-                                        <p:cTn id="32" dur="1" fill="hold">
-                                          <p:stCondLst>
-                                            <p:cond delay="0"/>
-                                          </p:stCondLst>
-                                        </p:cTn>
-                                        <p:tgtEl>
-                                          <p:spTgt spid="3">
-                                            <p:txEl>
-                                              <p:pRg st="14" end="14"/>
-                                            </p:txEl>
-                                          </p:spTgt>
-                                        </p:tgtEl>
-                                        <p:attrNameLst>
-                                          <p:attrName>style.visibility</p:attrName>
-                                        </p:attrNameLst>
-                                      </p:cBhvr>
-                                      <p:to>
-                                        <p:strVal val="visible"/>
-                                      </p:to>
-                                    </p:set>
-                                  </p:childTnLst>
-                                </p:cTn>
-                              </p:par>
-                              <p:par>
-                                <p:cTn id="33" presetID="1" presetClass="entr" presetSubtype="0" fill="hold" nodeType="withEffect">
-                                  <p:stCondLst>
-                                    <p:cond delay="0"/>
-                                  </p:stCondLst>
-                                  <p:childTnLst>
-                                    <p:set>
-                                      <p:cBhvr>
-                                        <p:cTn id="34" dur="1" fill="hold">
-                                          <p:stCondLst>
-                                            <p:cond delay="0"/>
-                                          </p:stCondLst>
-                                        </p:cTn>
-                                        <p:tgtEl>
-                                          <p:spTgt spid="3">
-                                            <p:txEl>
-                                              <p:pRg st="15" end="15"/>
-                                            </p:txEl>
-                                          </p:spTgt>
-                                        </p:tgtEl>
-                                        <p:attrNameLst>
-                                          <p:attrName>style.visibility</p:attrName>
-                                        </p:attrNameLst>
-                                      </p:cBhvr>
-                                      <p:to>
-                                        <p:strVal val="visible"/>
-                                      </p:to>
-                                    </p:set>
-                                  </p:childTnLst>
-                                </p:cTn>
-                              </p:par>
-                              <p:par>
-                                <p:cTn id="35" presetID="1" presetClass="entr" presetSubtype="0" fill="hold" nodeType="withEffect">
-                                  <p:stCondLst>
-                                    <p:cond delay="0"/>
-                                  </p:stCondLst>
-                                  <p:childTnLst>
-                                    <p:set>
-                                      <p:cBhvr>
-                                        <p:cTn id="36" dur="1" fill="hold">
-                                          <p:stCondLst>
-                                            <p:cond delay="0"/>
-                                          </p:stCondLst>
-                                        </p:cTn>
-                                        <p:tgtEl>
-                                          <p:spTgt spid="3">
-                                            <p:txEl>
-                                              <p:pRg st="16" end="16"/>
-                                            </p:txEl>
-                                          </p:spTgt>
-                                        </p:tgtEl>
-                                        <p:attrNameLst>
-                                          <p:attrName>style.visibility</p:attrName>
-                                        </p:attrNameLst>
-                                      </p:cBhvr>
-                                      <p:to>
-                                        <p:strVal val="visible"/>
-                                      </p:to>
-                                    </p:set>
-                                  </p:childTnLst>
-                                </p:cTn>
-                              </p:par>
-                            </p:childTnLst>
-                          </p:cTn>
-                        </p:par>
-                      </p:childTnLst>
-                    </p:cTn>
-                  </p:par>
-                  <p:par>
-                    <p:cTn id="37" fill="hold">
-                      <p:stCondLst>
-                        <p:cond delay="indefinite"/>
-                      </p:stCondLst>
-                      <p:childTnLst>
-                        <p:par>
-                          <p:cTn id="38" fill="hold">
-                            <p:stCondLst>
-                              <p:cond delay="0"/>
-                            </p:stCondLst>
-                            <p:childTnLst>
-                              <p:par>
-                                <p:cTn id="39" presetID="1" presetClass="entr" presetSubtype="0" fill="hold" nodeType="clickEffect">
-                                  <p:stCondLst>
-                                    <p:cond delay="0"/>
-                                  </p:stCondLst>
-                                  <p:childTnLst>
-                                    <p:set>
-                                      <p:cBhvr>
-                                        <p:cTn id="40" dur="1" fill="hold">
-                                          <p:stCondLst>
-                                            <p:cond delay="0"/>
-                                          </p:stCondLst>
-                                        </p:cTn>
-                                        <p:tgtEl>
-                                          <p:spTgt spid="3">
-                                            <p:txEl>
-                                              <p:pRg st="18" end="18"/>
-                                            </p:txEl>
-                                          </p:spTgt>
-                                        </p:tgtEl>
-                                        <p:attrNameLst>
-                                          <p:attrName>style.visibility</p:attrName>
-                                        </p:attrNameLst>
-                                      </p:cBhvr>
-                                      <p:to>
-                                        <p:strVal val="visible"/>
-                                      </p:to>
-                                    </p:set>
-                                  </p:childTnLst>
-                                </p:cTn>
-                              </p:par>
-                            </p:childTnLst>
-                          </p:cTn>
-                        </p:par>
-                      </p:childTnLst>
-                    </p:cTn>
-                  </p:par>
-                </p:childTnLst>
-              </p:cTn>
-              <p:prevCondLst>
-                <p:cond evt="onPrev" delay="0">
-                  <p:tgtEl>
-                    <p:sldTgt/>
-                  </p:tgtEl>
-                </p:cond>
-              </p:prevCondLst>
-              <p:nextCondLst>
-                <p:cond evt="onNext" delay="0">
-                  <p:tgtEl>
-                    <p:sldTgt/>
-                  </p:tgtEl>
-                </p:cond>
-              </p:nextCondLst>
-            </p:seq>
-          </p:childTnLst>
-        </p:cTn>
-      </p:par>
-    </p:tnLst>
-  </p:timing>
 </p:sld>
 </file>
 
@@ -5238,888 +4777,42 @@
           </a:p>
         </p:txBody>
       </p:sp>
-      <p:pic>
-        <p:nvPicPr>
-          <p:cNvPr id="7" name="Picture 6" descr="Screen Clipping"/>
-          <p:cNvPicPr>
-            <a:picLocks noChangeAspect="1"/>
-          </p:cNvPicPr>
-          <p:nvPr/>
-        </p:nvPicPr>
-        <p:blipFill>
-          <a:blip r:embed="rId7">
+      <p:grpSp>
+        <p:nvGrpSpPr>
+          <p:cNvPr id="8" name="Group 7">
             <a:extLst>
-              <a:ext uri="{28A0092B-C50C-407E-A947-70E740481C1C}">
-                <a14:useLocalDpi xmlns:a14="http://schemas.microsoft.com/office/drawing/2010/main" val="0"/>
+              <a:ext uri="{FF2B5EF4-FFF2-40B4-BE49-F238E27FC236}">
+                <a16:creationId xmlns:a16="http://schemas.microsoft.com/office/drawing/2014/main" id="{72260436-B298-493E-B76F-21B87937777E}"/>
               </a:ext>
             </a:extLst>
-          </a:blip>
-          <a:stretch>
-            <a:fillRect/>
-          </a:stretch>
-        </p:blipFill>
-        <p:spPr>
-          <a:xfrm>
-            <a:off x="1371190" y="2210555"/>
-            <a:ext cx="9419136" cy="2065199"/>
-          </a:xfrm>
-          <a:prstGeom prst="rect">
-            <a:avLst/>
-          </a:prstGeom>
-        </p:spPr>
-      </p:pic>
-      <p:sp>
-        <p:nvSpPr>
-          <p:cNvPr id="5" name="Rounded Rectangle 4"/>
-          <p:cNvSpPr/>
-          <p:nvPr/>
-        </p:nvSpPr>
-        <p:spPr>
-          <a:xfrm>
-            <a:off x="1352336" y="2957671"/>
-            <a:ext cx="9449619" cy="313765"/>
-          </a:xfrm>
-          <a:prstGeom prst="roundRect">
-            <a:avLst/>
-          </a:prstGeom>
-          <a:noFill/>
-          <a:ln w="28575">
-            <a:solidFill>
-              <a:srgbClr val="FF0000"/>
-            </a:solidFill>
-          </a:ln>
-        </p:spPr>
-        <p:style>
-          <a:lnRef idx="2">
-            <a:schemeClr val="accent1">
-              <a:shade val="50000"/>
-            </a:schemeClr>
-          </a:lnRef>
-          <a:fillRef idx="1">
-            <a:schemeClr val="accent1"/>
-          </a:fillRef>
-          <a:effectRef idx="0">
-            <a:schemeClr val="accent1"/>
-          </a:effectRef>
-          <a:fontRef idx="minor">
-            <a:schemeClr val="lt1"/>
-          </a:fontRef>
-        </p:style>
-        <p:txBody>
-          <a:bodyPr rtlCol="0" anchor="ctr"/>
-          <a:lstStyle/>
-          <a:p>
-            <a:pPr algn="ctr"/>
-            <a:endParaRPr lang="en-US"/>
-          </a:p>
-        </p:txBody>
-      </p:sp>
-    </p:spTree>
-    <p:extLst>
-      <p:ext uri="{BB962C8B-B14F-4D97-AF65-F5344CB8AC3E}">
-        <p14:creationId xmlns:p14="http://schemas.microsoft.com/office/powerpoint/2010/main" val="1076656385"/>
-      </p:ext>
-    </p:extLst>
-  </p:cSld>
-  <p:clrMapOvr>
-    <a:masterClrMapping/>
-  </p:clrMapOvr>
-</p:sld>
-</file>
-
-<file path=ppt/slides/slide15.xml><?xml version="1.0" encoding="utf-8"?>
-<p:sld xmlns:a="http://schemas.openxmlformats.org/drawingml/2006/main" xmlns:r="http://schemas.openxmlformats.org/officeDocument/2006/relationships" xmlns:p="http://schemas.openxmlformats.org/presentationml/2006/main">
-  <p:cSld>
-    <p:spTree>
-      <p:nvGrpSpPr>
-        <p:cNvPr id="1" name=""/>
-        <p:cNvGrpSpPr/>
-        <p:nvPr/>
-      </p:nvGrpSpPr>
-      <p:grpSpPr>
-        <a:xfrm>
-          <a:off x="0" y="0"/>
-          <a:ext cx="0" cy="0"/>
-          <a:chOff x="0" y="0"/>
-          <a:chExt cx="0" cy="0"/>
-        </a:xfrm>
-      </p:grpSpPr>
-      <p:sp>
-        <p:nvSpPr>
-          <p:cNvPr id="2" name="Title 1"/>
-          <p:cNvSpPr>
-            <a:spLocks noGrp="1"/>
-          </p:cNvSpPr>
-          <p:nvPr>
-            <p:ph type="title"/>
-          </p:nvPr>
-        </p:nvSpPr>
-        <p:spPr/>
-        <p:txBody>
-          <a:bodyPr/>
-          <a:lstStyle/>
-          <a:p>
-            <a:r>
-              <a:rPr lang="en-US" dirty="0"/>
-              <a:t>Installation</a:t>
-            </a:r>
-          </a:p>
-        </p:txBody>
-      </p:sp>
-      <p:pic>
-        <p:nvPicPr>
-          <p:cNvPr id="4" name="Picture 3" descr="Screen Clipping"/>
-          <p:cNvPicPr>
-            <a:picLocks noChangeAspect="1"/>
-          </p:cNvPicPr>
-          <p:nvPr/>
-        </p:nvPicPr>
-        <p:blipFill>
-          <a:blip r:embed="rId2">
-            <a:extLst>
-              <a:ext uri="{28A0092B-C50C-407E-A947-70E740481C1C}">
-                <a14:useLocalDpi xmlns:a14="http://schemas.microsoft.com/office/drawing/2010/main" val="0"/>
-              </a:ext>
-            </a:extLst>
-          </a:blip>
-          <a:stretch>
-            <a:fillRect/>
-          </a:stretch>
-        </p:blipFill>
-        <p:spPr>
-          <a:xfrm>
-            <a:off x="2491559" y="1127171"/>
-            <a:ext cx="9396274" cy="3048264"/>
-          </a:xfrm>
-          <a:prstGeom prst="rect">
-            <a:avLst/>
-          </a:prstGeom>
-        </p:spPr>
-      </p:pic>
-      <p:pic>
-        <p:nvPicPr>
-          <p:cNvPr id="5" name="Picture 4" descr="Screen Clipping"/>
-          <p:cNvPicPr>
-            <a:picLocks noChangeAspect="1"/>
-          </p:cNvPicPr>
-          <p:nvPr/>
-        </p:nvPicPr>
-        <p:blipFill>
-          <a:blip r:embed="rId3">
-            <a:extLst>
-              <a:ext uri="{28A0092B-C50C-407E-A947-70E740481C1C}">
-                <a14:useLocalDpi xmlns:a14="http://schemas.microsoft.com/office/drawing/2010/main" val="0"/>
-              </a:ext>
-            </a:extLst>
-          </a:blip>
-          <a:stretch>
-            <a:fillRect/>
-          </a:stretch>
-        </p:blipFill>
-        <p:spPr>
-          <a:xfrm>
-            <a:off x="2491559" y="4515205"/>
-            <a:ext cx="9396274" cy="1767993"/>
-          </a:xfrm>
-          <a:prstGeom prst="rect">
-            <a:avLst/>
-          </a:prstGeom>
-        </p:spPr>
-      </p:pic>
-      <p:sp>
-        <p:nvSpPr>
-          <p:cNvPr id="6" name="Rounded Rectangle 5"/>
-          <p:cNvSpPr/>
-          <p:nvPr/>
-        </p:nvSpPr>
-        <p:spPr>
-          <a:xfrm>
-            <a:off x="2491559" y="3209365"/>
-            <a:ext cx="9396274" cy="600635"/>
-          </a:xfrm>
-          <a:prstGeom prst="roundRect">
-            <a:avLst/>
-          </a:prstGeom>
-          <a:noFill/>
-          <a:ln w="28575">
-            <a:solidFill>
-              <a:srgbClr val="FF0000"/>
-            </a:solidFill>
-          </a:ln>
-        </p:spPr>
-        <p:style>
-          <a:lnRef idx="2">
-            <a:schemeClr val="accent1">
-              <a:shade val="50000"/>
-            </a:schemeClr>
-          </a:lnRef>
-          <a:fillRef idx="1">
-            <a:schemeClr val="accent1"/>
-          </a:fillRef>
-          <a:effectRef idx="0">
-            <a:schemeClr val="accent1"/>
-          </a:effectRef>
-          <a:fontRef idx="minor">
-            <a:schemeClr val="lt1"/>
-          </a:fontRef>
-        </p:style>
-        <p:txBody>
-          <a:bodyPr rtlCol="0" anchor="ctr"/>
-          <a:lstStyle/>
-          <a:p>
-            <a:pPr algn="ctr"/>
-            <a:endParaRPr lang="en-US"/>
-          </a:p>
-        </p:txBody>
-      </p:sp>
-      <p:sp>
-        <p:nvSpPr>
-          <p:cNvPr id="7" name="TextBox 6"/>
-          <p:cNvSpPr txBox="1"/>
-          <p:nvPr/>
-        </p:nvSpPr>
-        <p:spPr>
-          <a:xfrm>
-            <a:off x="0" y="3293175"/>
-            <a:ext cx="2527273" cy="584775"/>
-          </a:xfrm>
-          <a:prstGeom prst="rect">
-            <a:avLst/>
-          </a:prstGeom>
-          <a:noFill/>
-        </p:spPr>
-        <p:txBody>
-          <a:bodyPr wrap="square" rtlCol="0">
-            <a:spAutoFit/>
-          </a:bodyPr>
-          <a:lstStyle/>
-          <a:p>
-            <a:r>
-              <a:rPr lang="en-US" sz="1600" dirty="0">
-                <a:solidFill>
-                  <a:srgbClr val="FF0000"/>
-                </a:solidFill>
-              </a:rPr>
-              <a:t>These two files actually run ICA and PCA.</a:t>
-            </a:r>
-          </a:p>
-        </p:txBody>
-      </p:sp>
-      <p:grpSp>
-        <p:nvGrpSpPr>
-          <p:cNvPr id="10" name="Group 9"/>
+          </p:cNvPr>
           <p:cNvGrpSpPr/>
           <p:nvPr/>
         </p:nvGrpSpPr>
         <p:grpSpPr>
           <a:xfrm>
-            <a:off x="0" y="5727102"/>
-            <a:ext cx="5701553" cy="954107"/>
-            <a:chOff x="0" y="5727102"/>
-            <a:chExt cx="5701553" cy="954107"/>
-          </a:xfrm>
-        </p:grpSpPr>
-        <p:sp>
-          <p:nvSpPr>
-            <p:cNvPr id="8" name="TextBox 7"/>
-            <p:cNvSpPr txBox="1"/>
-            <p:nvPr/>
-          </p:nvSpPr>
-          <p:spPr>
-            <a:xfrm>
-              <a:off x="0" y="5727102"/>
-              <a:ext cx="2527273" cy="954107"/>
-            </a:xfrm>
-            <a:prstGeom prst="rect">
-              <a:avLst/>
-            </a:prstGeom>
-            <a:noFill/>
-          </p:spPr>
-          <p:txBody>
-            <a:bodyPr wrap="square" rtlCol="0">
-              <a:spAutoFit/>
-            </a:bodyPr>
-            <a:lstStyle/>
-            <a:p>
-              <a:r>
-                <a:rPr lang="en-US" sz="1400" dirty="0">
-                  <a:solidFill>
-                    <a:srgbClr val="0070C0"/>
-                  </a:solidFill>
-                </a:rPr>
-                <a:t>These two files needed to call </a:t>
-              </a:r>
-              <a:r>
-                <a:rPr lang="en-US" sz="1400" dirty="0" err="1">
-                  <a:solidFill>
-                    <a:srgbClr val="0070C0"/>
-                  </a:solidFill>
-                </a:rPr>
-                <a:t>cudaica</a:t>
-              </a:r>
-              <a:r>
-                <a:rPr lang="en-US" sz="1400" dirty="0">
-                  <a:solidFill>
-                    <a:srgbClr val="0070C0"/>
-                  </a:solidFill>
-                </a:rPr>
-                <a:t> from GUI or command line. They are modified from EEGLAB 14.1.2b.</a:t>
-              </a:r>
-            </a:p>
-          </p:txBody>
-        </p:sp>
-        <p:sp>
-          <p:nvSpPr>
-            <p:cNvPr id="9" name="TextBox 8"/>
-            <p:cNvSpPr txBox="1"/>
-            <p:nvPr/>
-          </p:nvSpPr>
-          <p:spPr>
-            <a:xfrm>
-              <a:off x="1245706" y="6364459"/>
-              <a:ext cx="4455847" cy="307777"/>
-            </a:xfrm>
-            <a:prstGeom prst="rect">
-              <a:avLst/>
-            </a:prstGeom>
-            <a:noFill/>
-          </p:spPr>
-          <p:txBody>
-            <a:bodyPr wrap="square" rtlCol="0">
-              <a:spAutoFit/>
-            </a:bodyPr>
-            <a:lstStyle/>
-            <a:p>
-              <a:r>
-                <a:rPr lang="en-US" sz="1400" dirty="0">
-                  <a:solidFill>
-                    <a:srgbClr val="0070C0"/>
-                  </a:solidFill>
-                </a:rPr>
-                <a:t>You should override EEGLAB’s default functions with them.</a:t>
-              </a:r>
-            </a:p>
-          </p:txBody>
-        </p:sp>
-      </p:grpSp>
-      <p:sp>
-        <p:nvSpPr>
-          <p:cNvPr id="11" name="Rounded Rectangle 10"/>
-          <p:cNvSpPr/>
-          <p:nvPr/>
-        </p:nvSpPr>
-        <p:spPr>
-          <a:xfrm>
-            <a:off x="2491559" y="5656994"/>
-            <a:ext cx="9396274" cy="600635"/>
-          </a:xfrm>
-          <a:prstGeom prst="roundRect">
-            <a:avLst/>
-          </a:prstGeom>
-          <a:noFill/>
-          <a:ln w="28575">
-            <a:solidFill>
-              <a:srgbClr val="0070C0"/>
-            </a:solidFill>
-          </a:ln>
-        </p:spPr>
-        <p:style>
-          <a:lnRef idx="2">
-            <a:schemeClr val="accent1">
-              <a:shade val="50000"/>
-            </a:schemeClr>
-          </a:lnRef>
-          <a:fillRef idx="1">
-            <a:schemeClr val="accent1"/>
-          </a:fillRef>
-          <a:effectRef idx="0">
-            <a:schemeClr val="accent1"/>
-          </a:effectRef>
-          <a:fontRef idx="minor">
-            <a:schemeClr val="lt1"/>
-          </a:fontRef>
-        </p:style>
-        <p:txBody>
-          <a:bodyPr rtlCol="0" anchor="ctr"/>
-          <a:lstStyle/>
-          <a:p>
-            <a:pPr algn="ctr"/>
-            <a:endParaRPr lang="en-US">
-              <a:solidFill>
-                <a:srgbClr val="0070C0"/>
-              </a:solidFill>
-            </a:endParaRPr>
-          </a:p>
-        </p:txBody>
-      </p:sp>
-    </p:spTree>
-    <p:extLst>
-      <p:ext uri="{BB962C8B-B14F-4D97-AF65-F5344CB8AC3E}">
-        <p14:creationId xmlns:p14="http://schemas.microsoft.com/office/powerpoint/2010/main" val="4115754854"/>
-      </p:ext>
-    </p:extLst>
-  </p:cSld>
-  <p:clrMapOvr>
-    <a:masterClrMapping/>
-  </p:clrMapOvr>
-  <p:timing>
-    <p:tnLst>
-      <p:par>
-        <p:cTn id="1" dur="indefinite" restart="never" nodeType="tmRoot">
-          <p:childTnLst>
-            <p:seq concurrent="1" nextAc="seek">
-              <p:cTn id="2" dur="indefinite" nodeType="mainSeq">
-                <p:childTnLst>
-                  <p:par>
-                    <p:cTn id="3" fill="hold">
-                      <p:stCondLst>
-                        <p:cond delay="indefinite"/>
-                      </p:stCondLst>
-                      <p:childTnLst>
-                        <p:par>
-                          <p:cTn id="4" fill="hold">
-                            <p:stCondLst>
-                              <p:cond delay="0"/>
-                            </p:stCondLst>
-                            <p:childTnLst>
-                              <p:par>
-                                <p:cTn id="5" presetID="1" presetClass="entr" presetSubtype="0" fill="hold" grpId="0" nodeType="clickEffect">
-                                  <p:stCondLst>
-                                    <p:cond delay="0"/>
-                                  </p:stCondLst>
-                                  <p:childTnLst>
-                                    <p:set>
-                                      <p:cBhvr>
-                                        <p:cTn id="6" dur="1" fill="hold">
-                                          <p:stCondLst>
-                                            <p:cond delay="0"/>
-                                          </p:stCondLst>
-                                        </p:cTn>
-                                        <p:tgtEl>
-                                          <p:spTgt spid="7"/>
-                                        </p:tgtEl>
-                                        <p:attrNameLst>
-                                          <p:attrName>style.visibility</p:attrName>
-                                        </p:attrNameLst>
-                                      </p:cBhvr>
-                                      <p:to>
-                                        <p:strVal val="visible"/>
-                                      </p:to>
-                                    </p:set>
-                                  </p:childTnLst>
-                                </p:cTn>
-                              </p:par>
-                              <p:par>
-                                <p:cTn id="7" presetID="1" presetClass="entr" presetSubtype="0" fill="hold" grpId="0" nodeType="withEffect">
-                                  <p:stCondLst>
-                                    <p:cond delay="0"/>
-                                  </p:stCondLst>
-                                  <p:childTnLst>
-                                    <p:set>
-                                      <p:cBhvr>
-                                        <p:cTn id="8" dur="1" fill="hold">
-                                          <p:stCondLst>
-                                            <p:cond delay="0"/>
-                                          </p:stCondLst>
-                                        </p:cTn>
-                                        <p:tgtEl>
-                                          <p:spTgt spid="6"/>
-                                        </p:tgtEl>
-                                        <p:attrNameLst>
-                                          <p:attrName>style.visibility</p:attrName>
-                                        </p:attrNameLst>
-                                      </p:cBhvr>
-                                      <p:to>
-                                        <p:strVal val="visible"/>
-                                      </p:to>
-                                    </p:set>
-                                  </p:childTnLst>
-                                </p:cTn>
-                              </p:par>
-                            </p:childTnLst>
-                          </p:cTn>
-                        </p:par>
-                      </p:childTnLst>
-                    </p:cTn>
-                  </p:par>
-                  <p:par>
-                    <p:cTn id="9" fill="hold">
-                      <p:stCondLst>
-                        <p:cond delay="indefinite"/>
-                      </p:stCondLst>
-                      <p:childTnLst>
-                        <p:par>
-                          <p:cTn id="10" fill="hold">
-                            <p:stCondLst>
-                              <p:cond delay="0"/>
-                            </p:stCondLst>
-                            <p:childTnLst>
-                              <p:par>
-                                <p:cTn id="11" presetID="1" presetClass="entr" presetSubtype="0" fill="hold" grpId="0" nodeType="clickEffect">
-                                  <p:stCondLst>
-                                    <p:cond delay="0"/>
-                                  </p:stCondLst>
-                                  <p:childTnLst>
-                                    <p:set>
-                                      <p:cBhvr>
-                                        <p:cTn id="12" dur="1" fill="hold">
-                                          <p:stCondLst>
-                                            <p:cond delay="0"/>
-                                          </p:stCondLst>
-                                        </p:cTn>
-                                        <p:tgtEl>
-                                          <p:spTgt spid="11"/>
-                                        </p:tgtEl>
-                                        <p:attrNameLst>
-                                          <p:attrName>style.visibility</p:attrName>
-                                        </p:attrNameLst>
-                                      </p:cBhvr>
-                                      <p:to>
-                                        <p:strVal val="visible"/>
-                                      </p:to>
-                                    </p:set>
-                                  </p:childTnLst>
-                                </p:cTn>
-                              </p:par>
-                              <p:par>
-                                <p:cTn id="13" presetID="1" presetClass="entr" presetSubtype="0" fill="hold" nodeType="withEffect">
-                                  <p:stCondLst>
-                                    <p:cond delay="0"/>
-                                  </p:stCondLst>
-                                  <p:childTnLst>
-                                    <p:set>
-                                      <p:cBhvr>
-                                        <p:cTn id="14" dur="1" fill="hold">
-                                          <p:stCondLst>
-                                            <p:cond delay="0"/>
-                                          </p:stCondLst>
-                                        </p:cTn>
-                                        <p:tgtEl>
-                                          <p:spTgt spid="10"/>
-                                        </p:tgtEl>
-                                        <p:attrNameLst>
-                                          <p:attrName>style.visibility</p:attrName>
-                                        </p:attrNameLst>
-                                      </p:cBhvr>
-                                      <p:to>
-                                        <p:strVal val="visible"/>
-                                      </p:to>
-                                    </p:set>
-                                  </p:childTnLst>
-                                </p:cTn>
-                              </p:par>
-                            </p:childTnLst>
-                          </p:cTn>
-                        </p:par>
-                      </p:childTnLst>
-                    </p:cTn>
-                  </p:par>
-                </p:childTnLst>
-              </p:cTn>
-              <p:prevCondLst>
-                <p:cond evt="onPrev" delay="0">
-                  <p:tgtEl>
-                    <p:sldTgt/>
-                  </p:tgtEl>
-                </p:cond>
-              </p:prevCondLst>
-              <p:nextCondLst>
-                <p:cond evt="onNext" delay="0">
-                  <p:tgtEl>
-                    <p:sldTgt/>
-                  </p:tgtEl>
-                </p:cond>
-              </p:nextCondLst>
-            </p:seq>
-          </p:childTnLst>
-        </p:cTn>
-      </p:par>
-    </p:tnLst>
-    <p:bldLst>
-      <p:bldP spid="6" grpId="0" animBg="1"/>
-      <p:bldP spid="7" grpId="0"/>
-      <p:bldP spid="11" grpId="0" animBg="1"/>
-    </p:bldLst>
-  </p:timing>
-</p:sld>
-</file>
-
-<file path=ppt/slides/slide16.xml><?xml version="1.0" encoding="utf-8"?>
-<p:sld xmlns:a="http://schemas.openxmlformats.org/drawingml/2006/main" xmlns:r="http://schemas.openxmlformats.org/officeDocument/2006/relationships" xmlns:p="http://schemas.openxmlformats.org/presentationml/2006/main">
-  <p:cSld>
-    <p:spTree>
-      <p:nvGrpSpPr>
-        <p:cNvPr id="1" name=""/>
-        <p:cNvGrpSpPr/>
-        <p:nvPr/>
-      </p:nvGrpSpPr>
-      <p:grpSpPr>
-        <a:xfrm>
-          <a:off x="0" y="0"/>
-          <a:ext cx="0" cy="0"/>
-          <a:chOff x="0" y="0"/>
-          <a:chExt cx="0" cy="0"/>
-        </a:xfrm>
-      </p:grpSpPr>
-      <p:sp>
-        <p:nvSpPr>
-          <p:cNvPr id="2" name="Title 1"/>
-          <p:cNvSpPr>
-            <a:spLocks noGrp="1"/>
-          </p:cNvSpPr>
-          <p:nvPr>
-            <p:ph type="title"/>
-          </p:nvPr>
-        </p:nvSpPr>
-        <p:spPr/>
-        <p:txBody>
-          <a:bodyPr/>
-          <a:lstStyle/>
-          <a:p>
-            <a:r>
-              <a:rPr lang="en-US" dirty="0"/>
-              <a:t>Usage</a:t>
-            </a:r>
-          </a:p>
-        </p:txBody>
-      </p:sp>
-      <p:pic>
-        <p:nvPicPr>
-          <p:cNvPr id="4" name="Picture 3"/>
-          <p:cNvPicPr>
-            <a:picLocks noChangeAspect="1"/>
-          </p:cNvPicPr>
-          <p:nvPr/>
-        </p:nvPicPr>
-        <p:blipFill>
-          <a:blip r:embed="rId2"/>
-          <a:stretch>
-            <a:fillRect/>
-          </a:stretch>
-        </p:blipFill>
-        <p:spPr>
-          <a:xfrm>
-            <a:off x="567298" y="1866720"/>
-            <a:ext cx="11057404" cy="3942408"/>
-          </a:xfrm>
-          <a:prstGeom prst="rect">
-            <a:avLst/>
-          </a:prstGeom>
-        </p:spPr>
-      </p:pic>
-      <p:sp>
-        <p:nvSpPr>
-          <p:cNvPr id="5" name="TextBox 4"/>
-          <p:cNvSpPr txBox="1"/>
-          <p:nvPr/>
-        </p:nvSpPr>
-        <p:spPr>
-          <a:xfrm>
-            <a:off x="421341" y="1057744"/>
-            <a:ext cx="7073153" cy="461665"/>
-          </a:xfrm>
-          <a:prstGeom prst="rect">
-            <a:avLst/>
-          </a:prstGeom>
-          <a:noFill/>
-        </p:spPr>
-        <p:txBody>
-          <a:bodyPr wrap="square" rtlCol="0">
-            <a:spAutoFit/>
-          </a:bodyPr>
-          <a:lstStyle/>
-          <a:p>
-            <a:r>
-              <a:rPr lang="en-US" sz="2400" dirty="0"/>
-              <a:t>Both GUI and command line usage are possible.</a:t>
-            </a:r>
-          </a:p>
-        </p:txBody>
-      </p:sp>
-      <p:sp>
-        <p:nvSpPr>
-          <p:cNvPr id="6" name="TextBox 5"/>
-          <p:cNvSpPr txBox="1"/>
-          <p:nvPr/>
-        </p:nvSpPr>
-        <p:spPr>
-          <a:xfrm>
-            <a:off x="567298" y="5871883"/>
-            <a:ext cx="10811436" cy="307777"/>
-          </a:xfrm>
-          <a:prstGeom prst="rect">
-            <a:avLst/>
-          </a:prstGeom>
-          <a:noFill/>
-        </p:spPr>
-        <p:txBody>
-          <a:bodyPr wrap="square" rtlCol="0">
-            <a:spAutoFit/>
-          </a:bodyPr>
-          <a:lstStyle/>
-          <a:p>
-            <a:r>
-              <a:rPr lang="en-US" sz="1400" dirty="0">
-                <a:latin typeface="Consolas" panose="020B0609020204030204" pitchFamily="49" charset="0"/>
-              </a:rPr>
-              <a:t>[EEG, command] = </a:t>
-            </a:r>
-            <a:r>
-              <a:rPr lang="en-US" sz="1400" dirty="0" err="1">
-                <a:latin typeface="Consolas" panose="020B0609020204030204" pitchFamily="49" charset="0"/>
-              </a:rPr>
-              <a:t>pop_runica</a:t>
-            </a:r>
-            <a:r>
-              <a:rPr lang="en-US" sz="1400" dirty="0">
-                <a:latin typeface="Consolas" panose="020B0609020204030204" pitchFamily="49" charset="0"/>
-              </a:rPr>
-              <a:t>(EEG, '</a:t>
-            </a:r>
-            <a:r>
-              <a:rPr lang="en-US" sz="1400" dirty="0" err="1">
-                <a:latin typeface="Consolas" panose="020B0609020204030204" pitchFamily="49" charset="0"/>
-              </a:rPr>
-              <a:t>icatype</a:t>
-            </a:r>
-            <a:r>
-              <a:rPr lang="en-US" sz="1400" dirty="0">
-                <a:latin typeface="Consolas" panose="020B0609020204030204" pitchFamily="49" charset="0"/>
-              </a:rPr>
-              <a:t>','</a:t>
-            </a:r>
-            <a:r>
-              <a:rPr lang="en-US" sz="1400" dirty="0" err="1">
-                <a:latin typeface="Consolas" panose="020B0609020204030204" pitchFamily="49" charset="0"/>
-              </a:rPr>
-              <a:t>cudaica</a:t>
-            </a:r>
-            <a:r>
-              <a:rPr lang="en-US" sz="1400" dirty="0">
-                <a:latin typeface="Consolas" panose="020B0609020204030204" pitchFamily="49" charset="0"/>
-              </a:rPr>
-              <a:t>', 'options',{'extended',1,'pca',63}, '</a:t>
-            </a:r>
-            <a:r>
-              <a:rPr lang="en-US" sz="1400" dirty="0" err="1">
-                <a:latin typeface="Consolas" panose="020B0609020204030204" pitchFamily="49" charset="0"/>
-              </a:rPr>
-              <a:t>chanind</a:t>
-            </a:r>
-            <a:r>
-              <a:rPr lang="en-US" sz="1400" dirty="0">
-                <a:latin typeface="Consolas" panose="020B0609020204030204" pitchFamily="49" charset="0"/>
-              </a:rPr>
-              <a:t>', 1:64);</a:t>
-            </a:r>
-          </a:p>
-        </p:txBody>
-      </p:sp>
-    </p:spTree>
-    <p:extLst>
-      <p:ext uri="{BB962C8B-B14F-4D97-AF65-F5344CB8AC3E}">
-        <p14:creationId xmlns:p14="http://schemas.microsoft.com/office/powerpoint/2010/main" val="3233627585"/>
-      </p:ext>
-    </p:extLst>
-  </p:cSld>
-  <p:clrMapOvr>
-    <a:masterClrMapping/>
-  </p:clrMapOvr>
-</p:sld>
-</file>
-
-<file path=ppt/slides/slide17.xml><?xml version="1.0" encoding="utf-8"?>
-<p:sld xmlns:a="http://schemas.openxmlformats.org/drawingml/2006/main" xmlns:r="http://schemas.openxmlformats.org/officeDocument/2006/relationships" xmlns:p="http://schemas.openxmlformats.org/presentationml/2006/main">
-  <p:cSld>
-    <p:spTree>
-      <p:nvGrpSpPr>
-        <p:cNvPr id="1" name=""/>
-        <p:cNvGrpSpPr/>
-        <p:nvPr/>
-      </p:nvGrpSpPr>
-      <p:grpSpPr>
-        <a:xfrm>
-          <a:off x="0" y="0"/>
-          <a:ext cx="0" cy="0"/>
-          <a:chOff x="0" y="0"/>
-          <a:chExt cx="0" cy="0"/>
-        </a:xfrm>
-      </p:grpSpPr>
-      <p:sp>
-        <p:nvSpPr>
-          <p:cNvPr id="2" name="Title 1"/>
-          <p:cNvSpPr>
-            <a:spLocks noGrp="1"/>
-          </p:cNvSpPr>
-          <p:nvPr>
-            <p:ph type="title"/>
-          </p:nvPr>
-        </p:nvSpPr>
-        <p:spPr/>
-        <p:txBody>
-          <a:bodyPr/>
-          <a:lstStyle/>
-          <a:p>
-            <a:r>
-              <a:rPr lang="en-US" dirty="0"/>
-              <a:t>Verify numerical accuracy</a:t>
-            </a:r>
-          </a:p>
-        </p:txBody>
-      </p:sp>
-      <p:sp>
-        <p:nvSpPr>
-          <p:cNvPr id="3" name="Content Placeholder 2"/>
-          <p:cNvSpPr>
-            <a:spLocks noGrp="1"/>
-          </p:cNvSpPr>
-          <p:nvPr>
-            <p:ph idx="1"/>
-          </p:nvPr>
-        </p:nvSpPr>
-        <p:spPr>
-          <a:xfrm>
-            <a:off x="330201" y="1041400"/>
-            <a:ext cx="11514666" cy="514023"/>
-          </a:xfrm>
-        </p:spPr>
-        <p:txBody>
-          <a:bodyPr>
-            <a:normAutofit/>
-          </a:bodyPr>
-          <a:lstStyle/>
-          <a:p>
-            <a:r>
-              <a:rPr lang="en-US" sz="2000" dirty="0"/>
-              <a:t>You can verify numerical accuracy before using CUDAICA on experiment data.</a:t>
-            </a:r>
-          </a:p>
-        </p:txBody>
-      </p:sp>
-      <p:grpSp>
-        <p:nvGrpSpPr>
-          <p:cNvPr id="7" name="Group 6"/>
-          <p:cNvGrpSpPr/>
-          <p:nvPr/>
-        </p:nvGrpSpPr>
-        <p:grpSpPr>
-          <a:xfrm>
-            <a:off x="1362724" y="2202715"/>
-            <a:ext cx="9449619" cy="3055885"/>
-            <a:chOff x="1359759" y="1476851"/>
-            <a:chExt cx="9449619" cy="3055885"/>
+            <a:off x="1615068" y="1883928"/>
+            <a:ext cx="7997143" cy="2507097"/>
+            <a:chOff x="1615068" y="1883928"/>
+            <a:chExt cx="7997143" cy="2507097"/>
           </a:xfrm>
         </p:grpSpPr>
         <p:pic>
           <p:nvPicPr>
-            <p:cNvPr id="5" name="Picture 4" descr="Screen Clipping"/>
+            <p:cNvPr id="6" name="Picture 5">
+              <a:extLst>
+                <a:ext uri="{FF2B5EF4-FFF2-40B4-BE49-F238E27FC236}">
+                  <a16:creationId xmlns:a16="http://schemas.microsoft.com/office/drawing/2014/main" id="{5A3C60E9-AFD6-4B8A-9E30-1402E25AA6AD}"/>
+                </a:ext>
+              </a:extLst>
+            </p:cNvPr>
             <p:cNvPicPr>
               <a:picLocks noChangeAspect="1"/>
             </p:cNvPicPr>
             <p:nvPr/>
           </p:nvPicPr>
           <p:blipFill>
-            <a:blip r:embed="rId2">
+            <a:blip r:embed="rId7">
               <a:extLst>
                 <a:ext uri="{28A0092B-C50C-407E-A947-70E740481C1C}">
                   <a14:useLocalDpi xmlns:a14="http://schemas.microsoft.com/office/drawing/2010/main" val="0"/>
@@ -6132,8 +4825,8 @@
           </p:blipFill>
           <p:spPr>
             <a:xfrm>
-              <a:off x="1382621" y="1476851"/>
-              <a:ext cx="9426757" cy="3055885"/>
+              <a:off x="1615068" y="1883928"/>
+              <a:ext cx="7997143" cy="2507097"/>
             </a:xfrm>
             <a:prstGeom prst="rect">
               <a:avLst/>
@@ -6142,14 +4835,14 @@
         </p:pic>
         <p:sp>
           <p:nvSpPr>
-            <p:cNvPr id="6" name="Rounded Rectangle 5"/>
+            <p:cNvPr id="5" name="Rounded Rectangle 4"/>
             <p:cNvSpPr/>
             <p:nvPr/>
           </p:nvSpPr>
           <p:spPr>
             <a:xfrm>
-              <a:off x="1359759" y="2601713"/>
-              <a:ext cx="9449619" cy="313765"/>
+              <a:off x="1615068" y="2710021"/>
+              <a:ext cx="7997143" cy="313765"/>
             </a:xfrm>
             <a:prstGeom prst="roundRect">
               <a:avLst/>
@@ -6187,6 +4880,919 @@
           </p:txBody>
         </p:sp>
       </p:grpSp>
+      <p:sp>
+        <p:nvSpPr>
+          <p:cNvPr id="9" name="Slide Number Placeholder 8">
+            <a:extLst>
+              <a:ext uri="{FF2B5EF4-FFF2-40B4-BE49-F238E27FC236}">
+                <a16:creationId xmlns:a16="http://schemas.microsoft.com/office/drawing/2014/main" id="{CFC78F4B-28E2-470D-9D51-611DD26D0EF0}"/>
+              </a:ext>
+            </a:extLst>
+          </p:cNvPr>
+          <p:cNvSpPr>
+            <a:spLocks noGrp="1"/>
+          </p:cNvSpPr>
+          <p:nvPr>
+            <p:ph type="sldNum" sz="quarter" idx="12"/>
+          </p:nvPr>
+        </p:nvSpPr>
+        <p:spPr/>
+        <p:txBody>
+          <a:bodyPr/>
+          <a:lstStyle/>
+          <a:p>
+            <a:fld id="{3280F924-4C9A-4EB0-91BE-D36BC6E675A1}" type="slidenum">
+              <a:rPr lang="en-US" smtClean="0"/>
+              <a:t>14</a:t>
+            </a:fld>
+            <a:endParaRPr lang="en-US"/>
+          </a:p>
+        </p:txBody>
+      </p:sp>
+    </p:spTree>
+    <p:extLst>
+      <p:ext uri="{BB962C8B-B14F-4D97-AF65-F5344CB8AC3E}">
+        <p14:creationId xmlns:p14="http://schemas.microsoft.com/office/powerpoint/2010/main" val="1076656385"/>
+      </p:ext>
+    </p:extLst>
+  </p:cSld>
+  <p:clrMapOvr>
+    <a:masterClrMapping/>
+  </p:clrMapOvr>
+</p:sld>
+</file>
+
+<file path=ppt/slides/slide15.xml><?xml version="1.0" encoding="utf-8"?>
+<p:sld xmlns:a="http://schemas.openxmlformats.org/drawingml/2006/main" xmlns:r="http://schemas.openxmlformats.org/officeDocument/2006/relationships" xmlns:p="http://schemas.openxmlformats.org/presentationml/2006/main">
+  <p:cSld>
+    <p:spTree>
+      <p:nvGrpSpPr>
+        <p:cNvPr id="1" name=""/>
+        <p:cNvGrpSpPr/>
+        <p:nvPr/>
+      </p:nvGrpSpPr>
+      <p:grpSpPr>
+        <a:xfrm>
+          <a:off x="0" y="0"/>
+          <a:ext cx="0" cy="0"/>
+          <a:chOff x="0" y="0"/>
+          <a:chExt cx="0" cy="0"/>
+        </a:xfrm>
+      </p:grpSpPr>
+      <p:pic>
+        <p:nvPicPr>
+          <p:cNvPr id="17" name="Picture 16" descr="Graphical user interface, text, application&#10;&#10;Description automatically generated">
+            <a:extLst>
+              <a:ext uri="{FF2B5EF4-FFF2-40B4-BE49-F238E27FC236}">
+                <a16:creationId xmlns:a16="http://schemas.microsoft.com/office/drawing/2014/main" id="{B337069F-9D2D-45F6-AED6-A286B9AEDC21}"/>
+              </a:ext>
+            </a:extLst>
+          </p:cNvPr>
+          <p:cNvPicPr>
+            <a:picLocks noChangeAspect="1"/>
+          </p:cNvPicPr>
+          <p:nvPr/>
+        </p:nvPicPr>
+        <p:blipFill>
+          <a:blip r:embed="rId2">
+            <a:extLst>
+              <a:ext uri="{28A0092B-C50C-407E-A947-70E740481C1C}">
+                <a14:useLocalDpi xmlns:a14="http://schemas.microsoft.com/office/drawing/2010/main" val="0"/>
+              </a:ext>
+            </a:extLst>
+          </a:blip>
+          <a:stretch>
+            <a:fillRect/>
+          </a:stretch>
+        </p:blipFill>
+        <p:spPr>
+          <a:xfrm>
+            <a:off x="2485968" y="4911784"/>
+            <a:ext cx="9401862" cy="1393325"/>
+          </a:xfrm>
+          <a:prstGeom prst="rect">
+            <a:avLst/>
+          </a:prstGeom>
+        </p:spPr>
+      </p:pic>
+      <p:pic>
+        <p:nvPicPr>
+          <p:cNvPr id="15" name="Picture 14" descr="Graphical user interface, text, application, email&#10;&#10;Description automatically generated">
+            <a:extLst>
+              <a:ext uri="{FF2B5EF4-FFF2-40B4-BE49-F238E27FC236}">
+                <a16:creationId xmlns:a16="http://schemas.microsoft.com/office/drawing/2014/main" id="{CB1E8EE8-A22E-4251-B3B0-06FB821A4823}"/>
+              </a:ext>
+            </a:extLst>
+          </p:cNvPr>
+          <p:cNvPicPr>
+            <a:picLocks noChangeAspect="1"/>
+          </p:cNvPicPr>
+          <p:nvPr/>
+        </p:nvPicPr>
+        <p:blipFill>
+          <a:blip r:embed="rId3">
+            <a:extLst>
+              <a:ext uri="{28A0092B-C50C-407E-A947-70E740481C1C}">
+                <a14:useLocalDpi xmlns:a14="http://schemas.microsoft.com/office/drawing/2010/main" val="0"/>
+              </a:ext>
+            </a:extLst>
+          </a:blip>
+          <a:stretch>
+            <a:fillRect/>
+          </a:stretch>
+        </p:blipFill>
+        <p:spPr>
+          <a:xfrm>
+            <a:off x="2485968" y="1053283"/>
+            <a:ext cx="9411387" cy="3402674"/>
+          </a:xfrm>
+          <a:prstGeom prst="rect">
+            <a:avLst/>
+          </a:prstGeom>
+        </p:spPr>
+      </p:pic>
+      <p:sp>
+        <p:nvSpPr>
+          <p:cNvPr id="2" name="Title 1"/>
+          <p:cNvSpPr>
+            <a:spLocks noGrp="1"/>
+          </p:cNvSpPr>
+          <p:nvPr>
+            <p:ph type="title"/>
+          </p:nvPr>
+        </p:nvSpPr>
+        <p:spPr/>
+        <p:txBody>
+          <a:bodyPr/>
+          <a:lstStyle/>
+          <a:p>
+            <a:r>
+              <a:rPr lang="en-US" dirty="0"/>
+              <a:t>Installation</a:t>
+            </a:r>
+          </a:p>
+        </p:txBody>
+      </p:sp>
+      <p:sp>
+        <p:nvSpPr>
+          <p:cNvPr id="6" name="Rounded Rectangle 5"/>
+          <p:cNvSpPr/>
+          <p:nvPr/>
+        </p:nvSpPr>
+        <p:spPr>
+          <a:xfrm>
+            <a:off x="2491558" y="2978979"/>
+            <a:ext cx="9396274" cy="897696"/>
+          </a:xfrm>
+          <a:prstGeom prst="roundRect">
+            <a:avLst/>
+          </a:prstGeom>
+          <a:noFill/>
+          <a:ln w="28575">
+            <a:solidFill>
+              <a:srgbClr val="FF0000"/>
+            </a:solidFill>
+          </a:ln>
+        </p:spPr>
+        <p:style>
+          <a:lnRef idx="2">
+            <a:schemeClr val="accent1">
+              <a:shade val="50000"/>
+            </a:schemeClr>
+          </a:lnRef>
+          <a:fillRef idx="1">
+            <a:schemeClr val="accent1"/>
+          </a:fillRef>
+          <a:effectRef idx="0">
+            <a:schemeClr val="accent1"/>
+          </a:effectRef>
+          <a:fontRef idx="minor">
+            <a:schemeClr val="lt1"/>
+          </a:fontRef>
+        </p:style>
+        <p:txBody>
+          <a:bodyPr rtlCol="0" anchor="ctr"/>
+          <a:lstStyle/>
+          <a:p>
+            <a:pPr algn="ctr"/>
+            <a:endParaRPr lang="en-US"/>
+          </a:p>
+        </p:txBody>
+      </p:sp>
+      <p:sp>
+        <p:nvSpPr>
+          <p:cNvPr id="7" name="TextBox 6"/>
+          <p:cNvSpPr txBox="1"/>
+          <p:nvPr/>
+        </p:nvSpPr>
+        <p:spPr>
+          <a:xfrm>
+            <a:off x="0" y="3293175"/>
+            <a:ext cx="2527273" cy="584775"/>
+          </a:xfrm>
+          <a:prstGeom prst="rect">
+            <a:avLst/>
+          </a:prstGeom>
+          <a:noFill/>
+        </p:spPr>
+        <p:txBody>
+          <a:bodyPr wrap="square" rtlCol="0">
+            <a:spAutoFit/>
+          </a:bodyPr>
+          <a:lstStyle/>
+          <a:p>
+            <a:r>
+              <a:rPr lang="en-US" sz="1600" dirty="0">
+                <a:solidFill>
+                  <a:srgbClr val="FF0000"/>
+                </a:solidFill>
+              </a:rPr>
+              <a:t>These four files actually run ICA and PCA.</a:t>
+            </a:r>
+          </a:p>
+        </p:txBody>
+      </p:sp>
+      <p:grpSp>
+        <p:nvGrpSpPr>
+          <p:cNvPr id="10" name="Group 9"/>
+          <p:cNvGrpSpPr/>
+          <p:nvPr/>
+        </p:nvGrpSpPr>
+        <p:grpSpPr>
+          <a:xfrm>
+            <a:off x="0" y="5828358"/>
+            <a:ext cx="6187328" cy="954107"/>
+            <a:chOff x="0" y="5727102"/>
+            <a:chExt cx="6187328" cy="954107"/>
+          </a:xfrm>
+        </p:grpSpPr>
+        <p:sp>
+          <p:nvSpPr>
+            <p:cNvPr id="8" name="TextBox 7"/>
+            <p:cNvSpPr txBox="1"/>
+            <p:nvPr/>
+          </p:nvSpPr>
+          <p:spPr>
+            <a:xfrm>
+              <a:off x="0" y="5727102"/>
+              <a:ext cx="2527273" cy="954107"/>
+            </a:xfrm>
+            <a:prstGeom prst="rect">
+              <a:avLst/>
+            </a:prstGeom>
+            <a:noFill/>
+          </p:spPr>
+          <p:txBody>
+            <a:bodyPr wrap="square" rtlCol="0">
+              <a:spAutoFit/>
+            </a:bodyPr>
+            <a:lstStyle/>
+            <a:p>
+              <a:r>
+                <a:rPr lang="en-US" sz="1400" dirty="0">
+                  <a:solidFill>
+                    <a:srgbClr val="0070C0"/>
+                  </a:solidFill>
+                </a:rPr>
+                <a:t>This file is needed to call </a:t>
+              </a:r>
+              <a:r>
+                <a:rPr lang="en-US" sz="1400" dirty="0" err="1">
+                  <a:solidFill>
+                    <a:srgbClr val="0070C0"/>
+                  </a:solidFill>
+                </a:rPr>
+                <a:t>cudaica</a:t>
+              </a:r>
+              <a:r>
+                <a:rPr lang="en-US" sz="1400" dirty="0">
+                  <a:solidFill>
+                    <a:srgbClr val="0070C0"/>
+                  </a:solidFill>
+                </a:rPr>
+                <a:t> from GUI or command line. They are modified from the original one in EEGLAB.</a:t>
+              </a:r>
+            </a:p>
+          </p:txBody>
+        </p:sp>
+        <p:sp>
+          <p:nvSpPr>
+            <p:cNvPr id="9" name="TextBox 8"/>
+            <p:cNvSpPr txBox="1"/>
+            <p:nvPr/>
+          </p:nvSpPr>
+          <p:spPr>
+            <a:xfrm>
+              <a:off x="1731481" y="6373432"/>
+              <a:ext cx="4455847" cy="307777"/>
+            </a:xfrm>
+            <a:prstGeom prst="rect">
+              <a:avLst/>
+            </a:prstGeom>
+            <a:noFill/>
+          </p:spPr>
+          <p:txBody>
+            <a:bodyPr wrap="square" rtlCol="0">
+              <a:spAutoFit/>
+            </a:bodyPr>
+            <a:lstStyle/>
+            <a:p>
+              <a:r>
+                <a:rPr lang="en-US" sz="1400" dirty="0">
+                  <a:solidFill>
+                    <a:srgbClr val="0070C0"/>
+                  </a:solidFill>
+                </a:rPr>
+                <a:t>You should override EEGLAB’s default functions with them.</a:t>
+              </a:r>
+            </a:p>
+          </p:txBody>
+        </p:sp>
+      </p:grpSp>
+      <p:sp>
+        <p:nvSpPr>
+          <p:cNvPr id="11" name="Rounded Rectangle 10"/>
+          <p:cNvSpPr/>
+          <p:nvPr/>
+        </p:nvSpPr>
+        <p:spPr>
+          <a:xfrm>
+            <a:off x="2491559" y="5971007"/>
+            <a:ext cx="9396274" cy="324722"/>
+          </a:xfrm>
+          <a:prstGeom prst="roundRect">
+            <a:avLst/>
+          </a:prstGeom>
+          <a:noFill/>
+          <a:ln w="28575">
+            <a:solidFill>
+              <a:srgbClr val="0070C0"/>
+            </a:solidFill>
+          </a:ln>
+        </p:spPr>
+        <p:style>
+          <a:lnRef idx="2">
+            <a:schemeClr val="accent1">
+              <a:shade val="50000"/>
+            </a:schemeClr>
+          </a:lnRef>
+          <a:fillRef idx="1">
+            <a:schemeClr val="accent1"/>
+          </a:fillRef>
+          <a:effectRef idx="0">
+            <a:schemeClr val="accent1"/>
+          </a:effectRef>
+          <a:fontRef idx="minor">
+            <a:schemeClr val="lt1"/>
+          </a:fontRef>
+        </p:style>
+        <p:txBody>
+          <a:bodyPr rtlCol="0" anchor="ctr"/>
+          <a:lstStyle/>
+          <a:p>
+            <a:pPr algn="ctr"/>
+            <a:endParaRPr lang="en-US">
+              <a:solidFill>
+                <a:srgbClr val="0070C0"/>
+              </a:solidFill>
+            </a:endParaRPr>
+          </a:p>
+        </p:txBody>
+      </p:sp>
+      <p:sp>
+        <p:nvSpPr>
+          <p:cNvPr id="13" name="Rounded Rectangle 5">
+            <a:extLst>
+              <a:ext uri="{FF2B5EF4-FFF2-40B4-BE49-F238E27FC236}">
+                <a16:creationId xmlns:a16="http://schemas.microsoft.com/office/drawing/2014/main" id="{32CC47CF-B294-4830-A221-860DA41A8913}"/>
+              </a:ext>
+            </a:extLst>
+          </p:cNvPr>
+          <p:cNvSpPr/>
+          <p:nvPr/>
+        </p:nvSpPr>
+        <p:spPr>
+          <a:xfrm>
+            <a:off x="2491556" y="4133851"/>
+            <a:ext cx="9396274" cy="324722"/>
+          </a:xfrm>
+          <a:prstGeom prst="roundRect">
+            <a:avLst/>
+          </a:prstGeom>
+          <a:noFill/>
+          <a:ln w="28575">
+            <a:solidFill>
+              <a:srgbClr val="FF0000"/>
+            </a:solidFill>
+          </a:ln>
+        </p:spPr>
+        <p:style>
+          <a:lnRef idx="2">
+            <a:schemeClr val="accent1">
+              <a:shade val="50000"/>
+            </a:schemeClr>
+          </a:lnRef>
+          <a:fillRef idx="1">
+            <a:schemeClr val="accent1"/>
+          </a:fillRef>
+          <a:effectRef idx="0">
+            <a:schemeClr val="accent1"/>
+          </a:effectRef>
+          <a:fontRef idx="minor">
+            <a:schemeClr val="lt1"/>
+          </a:fontRef>
+        </p:style>
+        <p:txBody>
+          <a:bodyPr rtlCol="0" anchor="ctr"/>
+          <a:lstStyle/>
+          <a:p>
+            <a:pPr algn="ctr"/>
+            <a:endParaRPr lang="en-US"/>
+          </a:p>
+        </p:txBody>
+      </p:sp>
+      <p:sp>
+        <p:nvSpPr>
+          <p:cNvPr id="18" name="Slide Number Placeholder 17">
+            <a:extLst>
+              <a:ext uri="{FF2B5EF4-FFF2-40B4-BE49-F238E27FC236}">
+                <a16:creationId xmlns:a16="http://schemas.microsoft.com/office/drawing/2014/main" id="{5EDC1A20-E108-4312-BB8C-82CAB6340A73}"/>
+              </a:ext>
+            </a:extLst>
+          </p:cNvPr>
+          <p:cNvSpPr>
+            <a:spLocks noGrp="1"/>
+          </p:cNvSpPr>
+          <p:nvPr>
+            <p:ph type="sldNum" sz="quarter" idx="12"/>
+          </p:nvPr>
+        </p:nvSpPr>
+        <p:spPr/>
+        <p:txBody>
+          <a:bodyPr/>
+          <a:lstStyle/>
+          <a:p>
+            <a:fld id="{3280F924-4C9A-4EB0-91BE-D36BC6E675A1}" type="slidenum">
+              <a:rPr lang="en-US" smtClean="0"/>
+              <a:t>15</a:t>
+            </a:fld>
+            <a:endParaRPr lang="en-US"/>
+          </a:p>
+        </p:txBody>
+      </p:sp>
+    </p:spTree>
+    <p:extLst>
+      <p:ext uri="{BB962C8B-B14F-4D97-AF65-F5344CB8AC3E}">
+        <p14:creationId xmlns:p14="http://schemas.microsoft.com/office/powerpoint/2010/main" val="4115754854"/>
+      </p:ext>
+    </p:extLst>
+  </p:cSld>
+  <p:clrMapOvr>
+    <a:masterClrMapping/>
+  </p:clrMapOvr>
+</p:sld>
+</file>
+
+<file path=ppt/slides/slide16.xml><?xml version="1.0" encoding="utf-8"?>
+<p:sld xmlns:a="http://schemas.openxmlformats.org/drawingml/2006/main" xmlns:r="http://schemas.openxmlformats.org/officeDocument/2006/relationships" xmlns:p="http://schemas.openxmlformats.org/presentationml/2006/main">
+  <p:cSld>
+    <p:spTree>
+      <p:nvGrpSpPr>
+        <p:cNvPr id="1" name=""/>
+        <p:cNvGrpSpPr/>
+        <p:nvPr/>
+      </p:nvGrpSpPr>
+      <p:grpSpPr>
+        <a:xfrm>
+          <a:off x="0" y="0"/>
+          <a:ext cx="0" cy="0"/>
+          <a:chOff x="0" y="0"/>
+          <a:chExt cx="0" cy="0"/>
+        </a:xfrm>
+      </p:grpSpPr>
+      <p:sp>
+        <p:nvSpPr>
+          <p:cNvPr id="2" name="Title 1"/>
+          <p:cNvSpPr>
+            <a:spLocks noGrp="1"/>
+          </p:cNvSpPr>
+          <p:nvPr>
+            <p:ph type="title"/>
+          </p:nvPr>
+        </p:nvSpPr>
+        <p:spPr/>
+        <p:txBody>
+          <a:bodyPr/>
+          <a:lstStyle/>
+          <a:p>
+            <a:r>
+              <a:rPr lang="en-US" dirty="0"/>
+              <a:t>Usage</a:t>
+            </a:r>
+          </a:p>
+        </p:txBody>
+      </p:sp>
+      <p:sp>
+        <p:nvSpPr>
+          <p:cNvPr id="5" name="TextBox 4"/>
+          <p:cNvSpPr txBox="1"/>
+          <p:nvPr/>
+        </p:nvSpPr>
+        <p:spPr>
+          <a:xfrm>
+            <a:off x="421341" y="1057744"/>
+            <a:ext cx="7073153" cy="461665"/>
+          </a:xfrm>
+          <a:prstGeom prst="rect">
+            <a:avLst/>
+          </a:prstGeom>
+          <a:noFill/>
+        </p:spPr>
+        <p:txBody>
+          <a:bodyPr wrap="square" rtlCol="0">
+            <a:spAutoFit/>
+          </a:bodyPr>
+          <a:lstStyle/>
+          <a:p>
+            <a:r>
+              <a:rPr lang="en-US" sz="2400" dirty="0"/>
+              <a:t>Both GUI and command line usage are possible.</a:t>
+            </a:r>
+          </a:p>
+        </p:txBody>
+      </p:sp>
+      <p:sp>
+        <p:nvSpPr>
+          <p:cNvPr id="6" name="TextBox 5"/>
+          <p:cNvSpPr txBox="1"/>
+          <p:nvPr/>
+        </p:nvSpPr>
+        <p:spPr>
+          <a:xfrm>
+            <a:off x="567298" y="5871883"/>
+            <a:ext cx="10811436" cy="307777"/>
+          </a:xfrm>
+          <a:prstGeom prst="rect">
+            <a:avLst/>
+          </a:prstGeom>
+          <a:noFill/>
+        </p:spPr>
+        <p:txBody>
+          <a:bodyPr wrap="square" rtlCol="0">
+            <a:spAutoFit/>
+          </a:bodyPr>
+          <a:lstStyle/>
+          <a:p>
+            <a:r>
+              <a:rPr lang="en-US" sz="1400" dirty="0">
+                <a:latin typeface="Consolas" panose="020B0609020204030204" pitchFamily="49" charset="0"/>
+              </a:rPr>
+              <a:t>[EEG, command] = </a:t>
+            </a:r>
+            <a:r>
+              <a:rPr lang="en-US" sz="1400" dirty="0" err="1">
+                <a:latin typeface="Consolas" panose="020B0609020204030204" pitchFamily="49" charset="0"/>
+              </a:rPr>
+              <a:t>pop_runica</a:t>
+            </a:r>
+            <a:r>
+              <a:rPr lang="en-US" sz="1400" dirty="0">
+                <a:latin typeface="Consolas" panose="020B0609020204030204" pitchFamily="49" charset="0"/>
+              </a:rPr>
+              <a:t>(EEG, '</a:t>
+            </a:r>
+            <a:r>
+              <a:rPr lang="en-US" sz="1400" dirty="0" err="1">
+                <a:latin typeface="Consolas" panose="020B0609020204030204" pitchFamily="49" charset="0"/>
+              </a:rPr>
+              <a:t>icatype</a:t>
+            </a:r>
+            <a:r>
+              <a:rPr lang="en-US" sz="1400" dirty="0">
+                <a:latin typeface="Consolas" panose="020B0609020204030204" pitchFamily="49" charset="0"/>
+              </a:rPr>
+              <a:t>','</a:t>
+            </a:r>
+            <a:r>
+              <a:rPr lang="en-US" sz="1400" dirty="0" err="1">
+                <a:latin typeface="Consolas" panose="020B0609020204030204" pitchFamily="49" charset="0"/>
+              </a:rPr>
+              <a:t>cudaica</a:t>
+            </a:r>
+            <a:r>
+              <a:rPr lang="en-US" sz="1400" dirty="0">
+                <a:latin typeface="Consolas" panose="020B0609020204030204" pitchFamily="49" charset="0"/>
+              </a:rPr>
+              <a:t>', 'options',{'extended',1,'pca',63}, '</a:t>
+            </a:r>
+            <a:r>
+              <a:rPr lang="en-US" sz="1400" dirty="0" err="1">
+                <a:latin typeface="Consolas" panose="020B0609020204030204" pitchFamily="49" charset="0"/>
+              </a:rPr>
+              <a:t>chanind</a:t>
+            </a:r>
+            <a:r>
+              <a:rPr lang="en-US" sz="1400" dirty="0">
+                <a:latin typeface="Consolas" panose="020B0609020204030204" pitchFamily="49" charset="0"/>
+              </a:rPr>
+              <a:t>', 1:64);</a:t>
+            </a:r>
+          </a:p>
+        </p:txBody>
+      </p:sp>
+      <p:pic>
+        <p:nvPicPr>
+          <p:cNvPr id="7" name="Picture 6" descr="Graphical user interface&#10;&#10;Description automatically generated">
+            <a:extLst>
+              <a:ext uri="{FF2B5EF4-FFF2-40B4-BE49-F238E27FC236}">
+                <a16:creationId xmlns:a16="http://schemas.microsoft.com/office/drawing/2014/main" id="{5E06209E-F845-4EB7-AA23-02EC155EDF88}"/>
+              </a:ext>
+            </a:extLst>
+          </p:cNvPr>
+          <p:cNvPicPr>
+            <a:picLocks noChangeAspect="1"/>
+          </p:cNvPicPr>
+          <p:nvPr/>
+        </p:nvPicPr>
+        <p:blipFill>
+          <a:blip r:embed="rId2">
+            <a:extLst>
+              <a:ext uri="{28A0092B-C50C-407E-A947-70E740481C1C}">
+                <a14:useLocalDpi xmlns:a14="http://schemas.microsoft.com/office/drawing/2010/main" val="0"/>
+              </a:ext>
+            </a:extLst>
+          </a:blip>
+          <a:stretch>
+            <a:fillRect/>
+          </a:stretch>
+        </p:blipFill>
+        <p:spPr>
+          <a:xfrm>
+            <a:off x="88632" y="1561427"/>
+            <a:ext cx="4797694" cy="4268435"/>
+          </a:xfrm>
+          <a:prstGeom prst="rect">
+            <a:avLst/>
+          </a:prstGeom>
+        </p:spPr>
+      </p:pic>
+      <p:sp>
+        <p:nvSpPr>
+          <p:cNvPr id="8" name="Slide Number Placeholder 7">
+            <a:extLst>
+              <a:ext uri="{FF2B5EF4-FFF2-40B4-BE49-F238E27FC236}">
+                <a16:creationId xmlns:a16="http://schemas.microsoft.com/office/drawing/2014/main" id="{EB4F4087-55DD-4B75-8894-CA0CD92B831A}"/>
+              </a:ext>
+            </a:extLst>
+          </p:cNvPr>
+          <p:cNvSpPr>
+            <a:spLocks noGrp="1"/>
+          </p:cNvSpPr>
+          <p:nvPr>
+            <p:ph type="sldNum" sz="quarter" idx="12"/>
+          </p:nvPr>
+        </p:nvSpPr>
+        <p:spPr/>
+        <p:txBody>
+          <a:bodyPr/>
+          <a:lstStyle/>
+          <a:p>
+            <a:fld id="{3280F924-4C9A-4EB0-91BE-D36BC6E675A1}" type="slidenum">
+              <a:rPr lang="en-US" smtClean="0"/>
+              <a:t>16</a:t>
+            </a:fld>
+            <a:endParaRPr lang="en-US"/>
+          </a:p>
+        </p:txBody>
+      </p:sp>
+      <p:pic>
+        <p:nvPicPr>
+          <p:cNvPr id="12" name="Picture 11" descr="Graphical user interface, application, Word&#10;&#10;Description automatically generated">
+            <a:extLst>
+              <a:ext uri="{FF2B5EF4-FFF2-40B4-BE49-F238E27FC236}">
+                <a16:creationId xmlns:a16="http://schemas.microsoft.com/office/drawing/2014/main" id="{493C7817-3492-48FF-A909-9A8F585E3FAA}"/>
+              </a:ext>
+            </a:extLst>
+          </p:cNvPr>
+          <p:cNvPicPr>
+            <a:picLocks noChangeAspect="1"/>
+          </p:cNvPicPr>
+          <p:nvPr/>
+        </p:nvPicPr>
+        <p:blipFill>
+          <a:blip r:embed="rId3">
+            <a:extLst>
+              <a:ext uri="{28A0092B-C50C-407E-A947-70E740481C1C}">
+                <a14:useLocalDpi xmlns:a14="http://schemas.microsoft.com/office/drawing/2010/main" val="0"/>
+              </a:ext>
+            </a:extLst>
+          </a:blip>
+          <a:stretch>
+            <a:fillRect/>
+          </a:stretch>
+        </p:blipFill>
+        <p:spPr>
+          <a:xfrm>
+            <a:off x="4890226" y="2461485"/>
+            <a:ext cx="7235100" cy="2339115"/>
+          </a:xfrm>
+          <a:prstGeom prst="rect">
+            <a:avLst/>
+          </a:prstGeom>
+        </p:spPr>
+      </p:pic>
+    </p:spTree>
+    <p:extLst>
+      <p:ext uri="{BB962C8B-B14F-4D97-AF65-F5344CB8AC3E}">
+        <p14:creationId xmlns:p14="http://schemas.microsoft.com/office/powerpoint/2010/main" val="3233627585"/>
+      </p:ext>
+    </p:extLst>
+  </p:cSld>
+  <p:clrMapOvr>
+    <a:masterClrMapping/>
+  </p:clrMapOvr>
+</p:sld>
+</file>
+
+<file path=ppt/slides/slide17.xml><?xml version="1.0" encoding="utf-8"?>
+<p:sld xmlns:a="http://schemas.openxmlformats.org/drawingml/2006/main" xmlns:r="http://schemas.openxmlformats.org/officeDocument/2006/relationships" xmlns:p="http://schemas.openxmlformats.org/presentationml/2006/main">
+  <p:cSld>
+    <p:spTree>
+      <p:nvGrpSpPr>
+        <p:cNvPr id="1" name=""/>
+        <p:cNvGrpSpPr/>
+        <p:nvPr/>
+      </p:nvGrpSpPr>
+      <p:grpSpPr>
+        <a:xfrm>
+          <a:off x="0" y="0"/>
+          <a:ext cx="0" cy="0"/>
+          <a:chOff x="0" y="0"/>
+          <a:chExt cx="0" cy="0"/>
+        </a:xfrm>
+      </p:grpSpPr>
+      <p:pic>
+        <p:nvPicPr>
+          <p:cNvPr id="8" name="Picture 7" descr="Graphical user interface, application, email&#10;&#10;Description automatically generated">
+            <a:extLst>
+              <a:ext uri="{FF2B5EF4-FFF2-40B4-BE49-F238E27FC236}">
+                <a16:creationId xmlns:a16="http://schemas.microsoft.com/office/drawing/2014/main" id="{96D5B7F8-E567-40C9-8BD0-FDA7B3126AFC}"/>
+              </a:ext>
+            </a:extLst>
+          </p:cNvPr>
+          <p:cNvPicPr>
+            <a:picLocks noChangeAspect="1"/>
+          </p:cNvPicPr>
+          <p:nvPr/>
+        </p:nvPicPr>
+        <p:blipFill>
+          <a:blip r:embed="rId2">
+            <a:extLst>
+              <a:ext uri="{28A0092B-C50C-407E-A947-70E740481C1C}">
+                <a14:useLocalDpi xmlns:a14="http://schemas.microsoft.com/office/drawing/2010/main" val="0"/>
+              </a:ext>
+            </a:extLst>
+          </a:blip>
+          <a:stretch>
+            <a:fillRect/>
+          </a:stretch>
+        </p:blipFill>
+        <p:spPr>
+          <a:xfrm>
+            <a:off x="347133" y="1809422"/>
+            <a:ext cx="11613886" cy="4176122"/>
+          </a:xfrm>
+          <a:prstGeom prst="rect">
+            <a:avLst/>
+          </a:prstGeom>
+        </p:spPr>
+      </p:pic>
+      <p:sp>
+        <p:nvSpPr>
+          <p:cNvPr id="2" name="Title 1"/>
+          <p:cNvSpPr>
+            <a:spLocks noGrp="1"/>
+          </p:cNvSpPr>
+          <p:nvPr>
+            <p:ph type="title"/>
+          </p:nvPr>
+        </p:nvSpPr>
+        <p:spPr/>
+        <p:txBody>
+          <a:bodyPr/>
+          <a:lstStyle/>
+          <a:p>
+            <a:r>
+              <a:rPr lang="en-US" dirty="0"/>
+              <a:t>Verify numerical accuracy</a:t>
+            </a:r>
+          </a:p>
+        </p:txBody>
+      </p:sp>
+      <p:sp>
+        <p:nvSpPr>
+          <p:cNvPr id="3" name="Content Placeholder 2"/>
+          <p:cNvSpPr>
+            <a:spLocks noGrp="1"/>
+          </p:cNvSpPr>
+          <p:nvPr>
+            <p:ph idx="1"/>
+          </p:nvPr>
+        </p:nvSpPr>
+        <p:spPr>
+          <a:xfrm>
+            <a:off x="330201" y="1041400"/>
+            <a:ext cx="11514666" cy="514023"/>
+          </a:xfrm>
+        </p:spPr>
+        <p:txBody>
+          <a:bodyPr>
+            <a:normAutofit/>
+          </a:bodyPr>
+          <a:lstStyle/>
+          <a:p>
+            <a:r>
+              <a:rPr lang="en-US" sz="2000" dirty="0"/>
+              <a:t>You can verify numerical accuracy before using CUDAICA on experiment data.</a:t>
+            </a:r>
+          </a:p>
+        </p:txBody>
+      </p:sp>
+      <p:sp>
+        <p:nvSpPr>
+          <p:cNvPr id="6" name="Rounded Rectangle 5"/>
+          <p:cNvSpPr/>
+          <p:nvPr/>
+        </p:nvSpPr>
+        <p:spPr>
+          <a:xfrm>
+            <a:off x="347133" y="3156127"/>
+            <a:ext cx="11613886" cy="313765"/>
+          </a:xfrm>
+          <a:prstGeom prst="roundRect">
+            <a:avLst/>
+          </a:prstGeom>
+          <a:noFill/>
+          <a:ln w="28575">
+            <a:solidFill>
+              <a:srgbClr val="FF0000"/>
+            </a:solidFill>
+          </a:ln>
+        </p:spPr>
+        <p:style>
+          <a:lnRef idx="2">
+            <a:schemeClr val="accent1">
+              <a:shade val="50000"/>
+            </a:schemeClr>
+          </a:lnRef>
+          <a:fillRef idx="1">
+            <a:schemeClr val="accent1"/>
+          </a:fillRef>
+          <a:effectRef idx="0">
+            <a:schemeClr val="accent1"/>
+          </a:effectRef>
+          <a:fontRef idx="minor">
+            <a:schemeClr val="lt1"/>
+          </a:fontRef>
+        </p:style>
+        <p:txBody>
+          <a:bodyPr rtlCol="0" anchor="ctr"/>
+          <a:lstStyle/>
+          <a:p>
+            <a:pPr algn="ctr"/>
+            <a:endParaRPr lang="en-US"/>
+          </a:p>
+        </p:txBody>
+      </p:sp>
+      <p:sp>
+        <p:nvSpPr>
+          <p:cNvPr id="9" name="Slide Number Placeholder 8">
+            <a:extLst>
+              <a:ext uri="{FF2B5EF4-FFF2-40B4-BE49-F238E27FC236}">
+                <a16:creationId xmlns:a16="http://schemas.microsoft.com/office/drawing/2014/main" id="{D1A04E26-C80F-4AF1-8CD0-F4E2A02CE54B}"/>
+              </a:ext>
+            </a:extLst>
+          </p:cNvPr>
+          <p:cNvSpPr>
+            <a:spLocks noGrp="1"/>
+          </p:cNvSpPr>
+          <p:nvPr>
+            <p:ph type="sldNum" sz="quarter" idx="12"/>
+          </p:nvPr>
+        </p:nvSpPr>
+        <p:spPr/>
+        <p:txBody>
+          <a:bodyPr/>
+          <a:lstStyle/>
+          <a:p>
+            <a:fld id="{3280F924-4C9A-4EB0-91BE-D36BC6E675A1}" type="slidenum">
+              <a:rPr lang="en-US" smtClean="0"/>
+              <a:t>17</a:t>
+            </a:fld>
+            <a:endParaRPr lang="en-US"/>
+          </a:p>
+        </p:txBody>
+      </p:sp>
     </p:spTree>
     <p:extLst>
       <p:ext uri="{BB962C8B-B14F-4D97-AF65-F5344CB8AC3E}">
@@ -6217,31 +5823,15 @@
           <a:chExt cx="0" cy="0"/>
         </a:xfrm>
       </p:grpSpPr>
-      <p:sp>
-        <p:nvSpPr>
-          <p:cNvPr id="2" name="Title 1"/>
-          <p:cNvSpPr>
-            <a:spLocks noGrp="1"/>
-          </p:cNvSpPr>
-          <p:nvPr>
-            <p:ph type="title"/>
-          </p:nvPr>
-        </p:nvSpPr>
-        <p:spPr/>
-        <p:txBody>
-          <a:bodyPr/>
-          <a:lstStyle/>
-          <a:p>
-            <a:r>
-              <a:rPr lang="en-US" dirty="0"/>
-              <a:t>Verify numerical accuracy</a:t>
-            </a:r>
-          </a:p>
-        </p:txBody>
-      </p:sp>
       <p:pic>
         <p:nvPicPr>
-          <p:cNvPr id="4" name="Picture 3" descr="Screen Clipping"/>
+          <p:cNvPr id="13" name="Picture 12" descr="Graphical user interface, text, application, email&#10;&#10;Description automatically generated">
+            <a:extLst>
+              <a:ext uri="{FF2B5EF4-FFF2-40B4-BE49-F238E27FC236}">
+                <a16:creationId xmlns:a16="http://schemas.microsoft.com/office/drawing/2014/main" id="{FDFE3B3E-A039-45FE-A52B-83EADCA7F3D0}"/>
+              </a:ext>
+            </a:extLst>
+          </p:cNvPr>
           <p:cNvPicPr>
             <a:picLocks noChangeAspect="1"/>
           </p:cNvPicPr>
@@ -6261,8 +5851,8 @@
         </p:blipFill>
         <p:spPr>
           <a:xfrm>
-            <a:off x="2527273" y="1229250"/>
-            <a:ext cx="9381033" cy="4625741"/>
+            <a:off x="2465910" y="1191053"/>
+            <a:ext cx="9663730" cy="4663938"/>
           </a:xfrm>
           <a:prstGeom prst="rect">
             <a:avLst/>
@@ -6271,17 +5861,41 @@
       </p:pic>
       <p:sp>
         <p:nvSpPr>
+          <p:cNvPr id="2" name="Title 1"/>
+          <p:cNvSpPr>
+            <a:spLocks noGrp="1"/>
+          </p:cNvSpPr>
+          <p:nvPr>
+            <p:ph type="title"/>
+          </p:nvPr>
+        </p:nvSpPr>
+        <p:spPr/>
+        <p:txBody>
+          <a:bodyPr/>
+          <a:lstStyle/>
+          <a:p>
+            <a:r>
+              <a:rPr lang="en-US" dirty="0"/>
+              <a:t>Verify numerical accuracy</a:t>
+            </a:r>
+          </a:p>
+        </p:txBody>
+      </p:sp>
+      <p:sp>
+        <p:nvSpPr>
           <p:cNvPr id="5" name="Rounded Rectangle 4"/>
           <p:cNvSpPr/>
           <p:nvPr/>
         </p:nvSpPr>
         <p:spPr>
           <a:xfrm>
-            <a:off x="2458687" y="3308724"/>
-            <a:ext cx="9449619" cy="2149396"/>
+            <a:off x="2458687" y="3460278"/>
+            <a:ext cx="9663730" cy="2056459"/>
           </a:xfrm>
           <a:prstGeom prst="roundRect">
-            <a:avLst/>
+            <a:avLst>
+              <a:gd name="adj" fmla="val 4259"/>
+            </a:avLst>
           </a:prstGeom>
           <a:noFill/>
           <a:ln w="28575">
@@ -6323,8 +5937,8 @@
         </p:nvSpPr>
         <p:spPr>
           <a:xfrm>
-            <a:off x="58267" y="4091034"/>
-            <a:ext cx="2527273" cy="584775"/>
+            <a:off x="39217" y="4091034"/>
+            <a:ext cx="2527273" cy="1077218"/>
           </a:xfrm>
           <a:prstGeom prst="rect">
             <a:avLst/>
@@ -6359,7 +5973,23 @@
                   <a:srgbClr val="FF0000"/>
                 </a:solidFill>
               </a:rPr>
-              <a:t>”</a:t>
+              <a:t>”. This is the same as the one used in </a:t>
+            </a:r>
+            <a:r>
+              <a:rPr lang="en-US" sz="1600" dirty="0" err="1">
+                <a:solidFill>
+                  <a:srgbClr val="FF0000"/>
+                </a:solidFill>
+              </a:rPr>
+              <a:t>cudaica</a:t>
+            </a:r>
+            <a:r>
+              <a:rPr lang="en-US" sz="1600" dirty="0">
+                <a:solidFill>
+                  <a:srgbClr val="FF0000"/>
+                </a:solidFill>
+              </a:rPr>
+              <a:t> binary.</a:t>
             </a:r>
           </a:p>
         </p:txBody>
@@ -6373,7 +6003,7 @@
         <p:spPr>
           <a:xfrm>
             <a:off x="2458686" y="5516737"/>
-            <a:ext cx="9449619" cy="338254"/>
+            <a:ext cx="9663730" cy="338254"/>
           </a:xfrm>
           <a:prstGeom prst="roundRect">
             <a:avLst/>
@@ -6418,8 +6048,8 @@
         </p:nvSpPr>
         <p:spPr>
           <a:xfrm>
-            <a:off x="185120" y="5842255"/>
-            <a:ext cx="5872900" cy="584775"/>
+            <a:off x="175594" y="5874635"/>
+            <a:ext cx="9197005" cy="584775"/>
           </a:xfrm>
           <a:prstGeom prst="rect">
             <a:avLst/>
@@ -6457,7 +6087,7 @@
                   <a:srgbClr val="00B050"/>
                 </a:solidFill>
               </a:rPr>
-              <a:t> algorithm, use the same random number seed and block separation method as CUDAICA_Win_Test.exe .</a:t>
+              <a:t> algorithm, use the same random number seed and block separation method as in “cudaica_win_test_mkl2020.exe” and “cudaica_win_test_oneapi.exe”.</a:t>
             </a:r>
           </a:p>
         </p:txBody>
@@ -6470,8 +6100,8 @@
         </p:nvSpPr>
         <p:spPr>
           <a:xfrm>
-            <a:off x="2480139" y="2351558"/>
-            <a:ext cx="9449619" cy="338254"/>
+            <a:off x="2465910" y="2597338"/>
+            <a:ext cx="9663730" cy="584775"/>
           </a:xfrm>
           <a:prstGeom prst="roundRect">
             <a:avLst/>
@@ -6516,8 +6146,8 @@
         </p:nvSpPr>
         <p:spPr>
           <a:xfrm>
-            <a:off x="185120" y="1838100"/>
-            <a:ext cx="2492981" cy="861774"/>
+            <a:off x="58267" y="2511613"/>
+            <a:ext cx="2492980" cy="584775"/>
           </a:xfrm>
           <a:prstGeom prst="rect">
             <a:avLst/>
@@ -6555,17 +6185,7 @@
                   <a:schemeClr val="accent5"/>
                 </a:solidFill>
               </a:rPr>
-              <a:t> that use fixed random number</a:t>
-            </a:r>
-          </a:p>
-          <a:p>
-            <a:r>
-              <a:rPr lang="en-US" sz="1600" dirty="0">
-                <a:solidFill>
-                  <a:schemeClr val="accent5"/>
-                </a:solidFill>
-              </a:rPr>
-              <a:t>seed.</a:t>
+              <a:t> that use fixed random number seed.</a:t>
             </a:r>
           </a:p>
         </p:txBody>
@@ -6578,8 +6198,8 @@
         </p:nvSpPr>
         <p:spPr>
           <a:xfrm>
-            <a:off x="2489564" y="2984341"/>
-            <a:ext cx="9449619" cy="338254"/>
+            <a:off x="2458685" y="3182113"/>
+            <a:ext cx="9678178" cy="267531"/>
           </a:xfrm>
           <a:prstGeom prst="roundRect">
             <a:avLst/>
@@ -6626,7 +6246,7 @@
         </p:nvSpPr>
         <p:spPr>
           <a:xfrm>
-            <a:off x="185120" y="2875504"/>
+            <a:off x="394670" y="3122024"/>
             <a:ext cx="2492981" cy="584775"/>
           </a:xfrm>
           <a:prstGeom prst="rect">
@@ -6656,6 +6276,35 @@
           </a:p>
         </p:txBody>
       </p:sp>
+      <p:sp>
+        <p:nvSpPr>
+          <p:cNvPr id="14" name="Slide Number Placeholder 13">
+            <a:extLst>
+              <a:ext uri="{FF2B5EF4-FFF2-40B4-BE49-F238E27FC236}">
+                <a16:creationId xmlns:a16="http://schemas.microsoft.com/office/drawing/2014/main" id="{2309F285-A383-416F-9F77-317D733DF498}"/>
+              </a:ext>
+            </a:extLst>
+          </p:cNvPr>
+          <p:cNvSpPr>
+            <a:spLocks noGrp="1"/>
+          </p:cNvSpPr>
+          <p:nvPr>
+            <p:ph type="sldNum" sz="quarter" idx="12"/>
+          </p:nvPr>
+        </p:nvSpPr>
+        <p:spPr/>
+        <p:txBody>
+          <a:bodyPr/>
+          <a:lstStyle/>
+          <a:p>
+            <a:fld id="{3280F924-4C9A-4EB0-91BE-D36BC6E675A1}" type="slidenum">
+              <a:rPr lang="en-US" smtClean="0"/>
+              <a:t>18</a:t>
+            </a:fld>
+            <a:endParaRPr lang="en-US"/>
+          </a:p>
+        </p:txBody>
+      </p:sp>
     </p:spTree>
     <p:extLst>
       <p:ext uri="{BB962C8B-B14F-4D97-AF65-F5344CB8AC3E}">
@@ -6666,334 +6315,6 @@
   <p:clrMapOvr>
     <a:masterClrMapping/>
   </p:clrMapOvr>
-  <p:timing>
-    <p:tnLst>
-      <p:par>
-        <p:cTn id="1" dur="indefinite" restart="never" nodeType="tmRoot">
-          <p:childTnLst>
-            <p:seq concurrent="1" nextAc="seek">
-              <p:cTn id="2" dur="indefinite" nodeType="mainSeq">
-                <p:childTnLst>
-                  <p:par>
-                    <p:cTn id="3" fill="hold">
-                      <p:stCondLst>
-                        <p:cond delay="indefinite"/>
-                      </p:stCondLst>
-                      <p:childTnLst>
-                        <p:par>
-                          <p:cTn id="4" fill="hold">
-                            <p:stCondLst>
-                              <p:cond delay="0"/>
-                            </p:stCondLst>
-                            <p:childTnLst>
-                              <p:par>
-                                <p:cTn id="5" presetID="1" presetClass="entr" presetSubtype="0" fill="hold" grpId="0" nodeType="clickEffect">
-                                  <p:stCondLst>
-                                    <p:cond delay="0"/>
-                                  </p:stCondLst>
-                                  <p:childTnLst>
-                                    <p:set>
-                                      <p:cBhvr>
-                                        <p:cTn id="6" dur="1" fill="hold">
-                                          <p:stCondLst>
-                                            <p:cond delay="0"/>
-                                          </p:stCondLst>
-                                        </p:cTn>
-                                        <p:tgtEl>
-                                          <p:spTgt spid="9"/>
-                                        </p:tgtEl>
-                                        <p:attrNameLst>
-                                          <p:attrName>style.visibility</p:attrName>
-                                        </p:attrNameLst>
-                                      </p:cBhvr>
-                                      <p:to>
-                                        <p:strVal val="visible"/>
-                                      </p:to>
-                                    </p:set>
-                                  </p:childTnLst>
-                                </p:cTn>
-                              </p:par>
-                              <p:par>
-                                <p:cTn id="7" presetID="1" presetClass="entr" presetSubtype="0" fill="hold" grpId="0" nodeType="withEffect">
-                                  <p:stCondLst>
-                                    <p:cond delay="0"/>
-                                  </p:stCondLst>
-                                  <p:childTnLst>
-                                    <p:set>
-                                      <p:cBhvr>
-                                        <p:cTn id="8" dur="1" fill="hold">
-                                          <p:stCondLst>
-                                            <p:cond delay="0"/>
-                                          </p:stCondLst>
-                                        </p:cTn>
-                                        <p:tgtEl>
-                                          <p:spTgt spid="10"/>
-                                        </p:tgtEl>
-                                        <p:attrNameLst>
-                                          <p:attrName>style.visibility</p:attrName>
-                                        </p:attrNameLst>
-                                      </p:cBhvr>
-                                      <p:to>
-                                        <p:strVal val="visible"/>
-                                      </p:to>
-                                    </p:set>
-                                  </p:childTnLst>
-                                </p:cTn>
-                              </p:par>
-                            </p:childTnLst>
-                          </p:cTn>
-                        </p:par>
-                      </p:childTnLst>
-                    </p:cTn>
-                  </p:par>
-                  <p:par>
-                    <p:cTn id="9" fill="hold">
-                      <p:stCondLst>
-                        <p:cond delay="indefinite"/>
-                      </p:stCondLst>
-                      <p:childTnLst>
-                        <p:par>
-                          <p:cTn id="10" fill="hold">
-                            <p:stCondLst>
-                              <p:cond delay="0"/>
-                            </p:stCondLst>
-                            <p:childTnLst>
-                              <p:par>
-                                <p:cTn id="11" presetID="1" presetClass="entr" presetSubtype="0" fill="hold" grpId="0" nodeType="clickEffect">
-                                  <p:stCondLst>
-                                    <p:cond delay="0"/>
-                                  </p:stCondLst>
-                                  <p:childTnLst>
-                                    <p:set>
-                                      <p:cBhvr>
-                                        <p:cTn id="12" dur="1" fill="hold">
-                                          <p:stCondLst>
-                                            <p:cond delay="0"/>
-                                          </p:stCondLst>
-                                        </p:cTn>
-                                        <p:tgtEl>
-                                          <p:spTgt spid="7"/>
-                                        </p:tgtEl>
-                                        <p:attrNameLst>
-                                          <p:attrName>style.visibility</p:attrName>
-                                        </p:attrNameLst>
-                                      </p:cBhvr>
-                                      <p:to>
-                                        <p:strVal val="visible"/>
-                                      </p:to>
-                                    </p:set>
-                                  </p:childTnLst>
-                                </p:cTn>
-                              </p:par>
-                              <p:par>
-                                <p:cTn id="13" presetID="1" presetClass="entr" presetSubtype="0" fill="hold" grpId="0" nodeType="withEffect">
-                                  <p:stCondLst>
-                                    <p:cond delay="0"/>
-                                  </p:stCondLst>
-                                  <p:childTnLst>
-                                    <p:set>
-                                      <p:cBhvr>
-                                        <p:cTn id="14" dur="1" fill="hold">
-                                          <p:stCondLst>
-                                            <p:cond delay="0"/>
-                                          </p:stCondLst>
-                                        </p:cTn>
-                                        <p:tgtEl>
-                                          <p:spTgt spid="8"/>
-                                        </p:tgtEl>
-                                        <p:attrNameLst>
-                                          <p:attrName>style.visibility</p:attrName>
-                                        </p:attrNameLst>
-                                      </p:cBhvr>
-                                      <p:to>
-                                        <p:strVal val="visible"/>
-                                      </p:to>
-                                    </p:set>
-                                  </p:childTnLst>
-                                </p:cTn>
-                              </p:par>
-                            </p:childTnLst>
-                          </p:cTn>
-                        </p:par>
-                      </p:childTnLst>
-                    </p:cTn>
-                  </p:par>
-                  <p:par>
-                    <p:cTn id="15" fill="hold">
-                      <p:stCondLst>
-                        <p:cond delay="indefinite"/>
-                      </p:stCondLst>
-                      <p:childTnLst>
-                        <p:par>
-                          <p:cTn id="16" fill="hold">
-                            <p:stCondLst>
-                              <p:cond delay="0"/>
-                            </p:stCondLst>
-                            <p:childTnLst>
-                              <p:par>
-                                <p:cTn id="17" presetID="1" presetClass="entr" presetSubtype="0" fill="hold" grpId="0" nodeType="clickEffect">
-                                  <p:stCondLst>
-                                    <p:cond delay="0"/>
-                                  </p:stCondLst>
-                                  <p:childTnLst>
-                                    <p:set>
-                                      <p:cBhvr>
-                                        <p:cTn id="18" dur="1" fill="hold">
-                                          <p:stCondLst>
-                                            <p:cond delay="0"/>
-                                          </p:stCondLst>
-                                        </p:cTn>
-                                        <p:tgtEl>
-                                          <p:spTgt spid="5"/>
-                                        </p:tgtEl>
-                                        <p:attrNameLst>
-                                          <p:attrName>style.visibility</p:attrName>
-                                        </p:attrNameLst>
-                                      </p:cBhvr>
-                                      <p:to>
-                                        <p:strVal val="visible"/>
-                                      </p:to>
-                                    </p:set>
-                                  </p:childTnLst>
-                                </p:cTn>
-                              </p:par>
-                              <p:par>
-                                <p:cTn id="19" presetID="1" presetClass="entr" presetSubtype="0" fill="hold" grpId="0" nodeType="withEffect">
-                                  <p:stCondLst>
-                                    <p:cond delay="0"/>
-                                  </p:stCondLst>
-                                  <p:childTnLst>
-                                    <p:set>
-                                      <p:cBhvr>
-                                        <p:cTn id="20" dur="1" fill="hold">
-                                          <p:stCondLst>
-                                            <p:cond delay="0"/>
-                                          </p:stCondLst>
-                                        </p:cTn>
-                                        <p:tgtEl>
-                                          <p:spTgt spid="6"/>
-                                        </p:tgtEl>
-                                        <p:attrNameLst>
-                                          <p:attrName>style.visibility</p:attrName>
-                                        </p:attrNameLst>
-                                      </p:cBhvr>
-                                      <p:to>
-                                        <p:strVal val="visible"/>
-                                      </p:to>
-                                    </p:set>
-                                  </p:childTnLst>
-                                </p:cTn>
-                              </p:par>
-                            </p:childTnLst>
-                          </p:cTn>
-                        </p:par>
-                      </p:childTnLst>
-                    </p:cTn>
-                  </p:par>
-                  <p:par>
-                    <p:cTn id="21" fill="hold">
-                      <p:stCondLst>
-                        <p:cond delay="indefinite"/>
-                      </p:stCondLst>
-                      <p:childTnLst>
-                        <p:par>
-                          <p:cTn id="22" fill="hold">
-                            <p:stCondLst>
-                              <p:cond delay="0"/>
-                            </p:stCondLst>
-                            <p:childTnLst>
-                              <p:par>
-                                <p:cTn id="23" presetID="1" presetClass="entr" presetSubtype="0" fill="hold" grpId="0" nodeType="clickEffect">
-                                  <p:stCondLst>
-                                    <p:cond delay="0"/>
-                                  </p:stCondLst>
-                                  <p:childTnLst>
-                                    <p:set>
-                                      <p:cBhvr>
-                                        <p:cTn id="24" dur="1" fill="hold">
-                                          <p:stCondLst>
-                                            <p:cond delay="0"/>
-                                          </p:stCondLst>
-                                        </p:cTn>
-                                        <p:tgtEl>
-                                          <p:spTgt spid="11"/>
-                                        </p:tgtEl>
-                                        <p:attrNameLst>
-                                          <p:attrName>style.visibility</p:attrName>
-                                        </p:attrNameLst>
-                                      </p:cBhvr>
-                                      <p:to>
-                                        <p:strVal val="visible"/>
-                                      </p:to>
-                                    </p:set>
-                                  </p:childTnLst>
-                                </p:cTn>
-                              </p:par>
-                              <p:par>
-                                <p:cTn id="25" presetID="1" presetClass="entr" presetSubtype="0" fill="hold" grpId="0" nodeType="withEffect">
-                                  <p:stCondLst>
-                                    <p:cond delay="0"/>
-                                  </p:stCondLst>
-                                  <p:childTnLst>
-                                    <p:set>
-                                      <p:cBhvr>
-                                        <p:cTn id="26" dur="1" fill="hold">
-                                          <p:stCondLst>
-                                            <p:cond delay="0"/>
-                                          </p:stCondLst>
-                                        </p:cTn>
-                                        <p:tgtEl>
-                                          <p:spTgt spid="12"/>
-                                        </p:tgtEl>
-                                        <p:attrNameLst>
-                                          <p:attrName>style.visibility</p:attrName>
-                                        </p:attrNameLst>
-                                      </p:cBhvr>
-                                      <p:to>
-                                        <p:strVal val="visible"/>
-                                      </p:to>
-                                    </p:set>
-                                  </p:childTnLst>
-                                </p:cTn>
-                              </p:par>
-                            </p:childTnLst>
-                          </p:cTn>
-                        </p:par>
-                      </p:childTnLst>
-                    </p:cTn>
-                  </p:par>
-                </p:childTnLst>
-              </p:cTn>
-              <p:prevCondLst>
-                <p:cond evt="onPrev" delay="0">
-                  <p:tgtEl>
-                    <p:sldTgt/>
-                  </p:tgtEl>
-                </p:cond>
-              </p:prevCondLst>
-              <p:nextCondLst>
-                <p:cond evt="onNext" delay="0">
-                  <p:tgtEl>
-                    <p:sldTgt/>
-                  </p:tgtEl>
-                </p:cond>
-              </p:nextCondLst>
-            </p:seq>
-          </p:childTnLst>
-        </p:cTn>
-      </p:par>
-    </p:tnLst>
-    <p:bldLst>
-      <p:bldP spid="5" grpId="0" animBg="1"/>
-      <p:bldP spid="6" grpId="0"/>
-      <p:bldP spid="7" grpId="0" animBg="1"/>
-      <p:bldP spid="8" grpId="0"/>
-      <p:bldP spid="9" grpId="0" animBg="1"/>
-      <p:bldP spid="10" grpId="0"/>
-      <p:bldP spid="11" grpId="0" animBg="1"/>
-      <p:bldP spid="12" grpId="0"/>
-    </p:bldLst>
-  </p:timing>
 </p:sld>
 </file>
 
@@ -7048,8 +6369,8 @@
         </p:nvSpPr>
         <p:spPr>
           <a:xfrm>
-            <a:off x="330201" y="1140643"/>
-            <a:ext cx="11514666" cy="5036320"/>
+            <a:off x="330201" y="971550"/>
+            <a:ext cx="11514666" cy="5629275"/>
           </a:xfrm>
         </p:spPr>
         <p:txBody>
@@ -7058,27 +6379,139 @@
           </a:bodyPr>
           <a:lstStyle/>
           <a:p>
+            <a:pPr>
+              <a:lnSpc>
+                <a:spcPct val="100000"/>
+              </a:lnSpc>
+              <a:spcBef>
+                <a:spcPts val="0"/>
+              </a:spcBef>
+            </a:pPr>
             <a:r>
               <a:rPr lang="en-US" sz="2000" dirty="0"/>
-              <a:t>Matlab command output window may stuck when running CUDAICA. But it does not affect the speed and accuracy of calculation.</a:t>
-            </a:r>
-          </a:p>
-          <a:p>
+              <a:t>Matlab command output window may stuck when running CUDAICA, but this does not affect the speed and accuracy of calculation.</a:t>
+            </a:r>
+          </a:p>
+          <a:p>
+            <a:pPr>
+              <a:lnSpc>
+                <a:spcPct val="100000"/>
+              </a:lnSpc>
+              <a:spcBef>
+                <a:spcPts val="0"/>
+              </a:spcBef>
+            </a:pPr>
             <a:endParaRPr lang="en-US" sz="2000" dirty="0"/>
           </a:p>
           <a:p>
+            <a:pPr>
+              <a:lnSpc>
+                <a:spcPct val="100000"/>
+              </a:lnSpc>
+              <a:spcBef>
+                <a:spcPts val="0"/>
+              </a:spcBef>
+            </a:pPr>
             <a:r>
               <a:rPr lang="en-US" sz="2000" dirty="0"/>
-              <a:t>We have only tested the code on Windows 10 and Windows 7 systems.</a:t>
-            </a:r>
-          </a:p>
-          <a:p>
+              <a:t>We have only tested the code on Windows 10. </a:t>
+            </a:r>
+          </a:p>
+          <a:p>
+            <a:pPr marL="0" indent="0">
+              <a:lnSpc>
+                <a:spcPct val="100000"/>
+              </a:lnSpc>
+              <a:spcBef>
+                <a:spcPts val="0"/>
+              </a:spcBef>
+              <a:buNone/>
+            </a:pPr>
+            <a:r>
+              <a:rPr lang="en-US" sz="2000" dirty="0"/>
+              <a:t>   Previous versions of CUDAICA works on Windows 7, but new versions are no longer tested. </a:t>
+            </a:r>
+          </a:p>
+          <a:p>
+            <a:pPr marL="0" indent="0">
+              <a:lnSpc>
+                <a:spcPct val="100000"/>
+              </a:lnSpc>
+              <a:spcBef>
+                <a:spcPts val="0"/>
+              </a:spcBef>
+              <a:buNone/>
+            </a:pPr>
+            <a:r>
+              <a:rPr lang="en-US" sz="2000" dirty="0"/>
+              <a:t>   Windows 11 has never been tested.</a:t>
+            </a:r>
+          </a:p>
+          <a:p>
+            <a:pPr>
+              <a:lnSpc>
+                <a:spcPct val="100000"/>
+              </a:lnSpc>
+              <a:spcBef>
+                <a:spcPts val="0"/>
+              </a:spcBef>
+            </a:pPr>
             <a:endParaRPr lang="en-US" sz="2000" dirty="0"/>
           </a:p>
           <a:p>
+            <a:pPr>
+              <a:lnSpc>
+                <a:spcPct val="100000"/>
+              </a:lnSpc>
+              <a:spcBef>
+                <a:spcPts val="0"/>
+              </a:spcBef>
+            </a:pPr>
             <a:r>
               <a:rPr lang="en-US" sz="2000" dirty="0"/>
-              <a:t>If “cudaica.exe” silently crashed in the background, you may receive errors at line 345 of “</a:t>
+              <a:t>You may not be able to see rising GPU usage in Windows task manager, but this does not affect the calculation.</a:t>
+            </a:r>
+          </a:p>
+          <a:p>
+            <a:pPr marL="0" indent="0">
+              <a:lnSpc>
+                <a:spcPct val="100000"/>
+              </a:lnSpc>
+              <a:spcBef>
+                <a:spcPts val="0"/>
+              </a:spcBef>
+              <a:buNone/>
+            </a:pPr>
+            <a:endParaRPr lang="en-US" sz="2000" dirty="0"/>
+          </a:p>
+          <a:p>
+            <a:pPr>
+              <a:lnSpc>
+                <a:spcPct val="100000"/>
+              </a:lnSpc>
+              <a:spcBef>
+                <a:spcPts val="0"/>
+              </a:spcBef>
+            </a:pPr>
+            <a:r>
+              <a:rPr lang="en-US" sz="2000" dirty="0"/>
+              <a:t>There should be no space character (“ ”) in the path of “cudaica.exe” and </a:t>
+            </a:r>
+            <a:r>
+              <a:rPr lang="en-US" sz="2000" dirty="0" err="1"/>
+              <a:t>Matlab’s</a:t>
+            </a:r>
+            <a:r>
+              <a:rPr lang="en-US" sz="2000" dirty="0"/>
+              <a:t> current folder. Otherwise “cudaica.exe” cannot read the “.</a:t>
+            </a:r>
+            <a:r>
+              <a:rPr lang="en-US" sz="2000" dirty="0" err="1"/>
+              <a:t>sc</a:t>
+            </a:r>
+            <a:r>
+              <a:rPr lang="en-US" sz="2000" dirty="0"/>
+              <a:t>” files generated by “</a:t>
             </a:r>
             <a:r>
               <a:rPr lang="en-US" sz="2000" dirty="0" err="1"/>
@@ -7086,40 +6519,32 @@
             </a:r>
             <a:r>
               <a:rPr lang="en-US" sz="2000" dirty="0"/>
-              <a:t>”. This is because the </a:t>
-            </a:r>
-            <a:r>
-              <a:rPr lang="en-US" sz="2000" dirty="0" err="1"/>
-              <a:t>Matlab</a:t>
-            </a:r>
+              <a:t>”.</a:t>
+            </a:r>
+          </a:p>
+          <a:p>
+            <a:pPr>
+              <a:lnSpc>
+                <a:spcPct val="100000"/>
+              </a:lnSpc>
+              <a:spcBef>
+                <a:spcPts val="0"/>
+              </a:spcBef>
+            </a:pPr>
+            <a:endParaRPr lang="en-US" sz="2000" dirty="0"/>
+          </a:p>
+          <a:p>
+            <a:pPr>
+              <a:lnSpc>
+                <a:spcPct val="100000"/>
+              </a:lnSpc>
+              <a:spcBef>
+                <a:spcPts val="0"/>
+              </a:spcBef>
+            </a:pPr>
             <a:r>
               <a:rPr lang="en-US" sz="2000" dirty="0"/>
-              <a:t> code cannot find the files generated by “cudaica.exe”.</a:t>
-            </a:r>
-          </a:p>
-          <a:p>
-            <a:endParaRPr lang="en-US" sz="2000" dirty="0"/>
-          </a:p>
-          <a:p>
-            <a:r>
-              <a:rPr lang="en-US" sz="2000" dirty="0"/>
-              <a:t>There should be no space in the path of “cudaica.exe” and </a:t>
-            </a:r>
-            <a:r>
-              <a:rPr lang="en-US" sz="2000" dirty="0" err="1"/>
-              <a:t>Matlab’s</a:t>
-            </a:r>
-            <a:r>
-              <a:rPr lang="en-US" sz="2000" dirty="0"/>
-              <a:t> current folder. Otherwise “cudaica.exe” cannot read the “.</a:t>
-            </a:r>
-            <a:r>
-              <a:rPr lang="en-US" sz="2000" dirty="0" err="1"/>
-              <a:t>sc</a:t>
-            </a:r>
-            <a:r>
-              <a:rPr lang="en-US" sz="2000" dirty="0"/>
-              <a:t>” files generated by “</a:t>
+              <a:t>“</a:t>
             </a:r>
             <a:r>
               <a:rPr lang="en-US" sz="2000" dirty="0" err="1"/>
@@ -7127,8 +6552,61 @@
             </a:r>
             <a:r>
               <a:rPr lang="en-US" sz="2000" dirty="0"/>
-              <a:t>”.</a:t>
-            </a:r>
+              <a:t>” automatically detects whether the Windows system path contains “</a:t>
+            </a:r>
+            <a:r>
+              <a:rPr lang="en-US" sz="2000" dirty="0" err="1"/>
+              <a:t>IntelSWTools</a:t>
+            </a:r>
+            <a:r>
+              <a:rPr lang="en-US" sz="2000" dirty="0"/>
+              <a:t>” or “</a:t>
+            </a:r>
+            <a:r>
+              <a:rPr lang="en-US" sz="2000" dirty="0" err="1"/>
+              <a:t>oneAPI</a:t>
+            </a:r>
+            <a:r>
+              <a:rPr lang="en-US" sz="2000" dirty="0"/>
+              <a:t>”, and selects the correct </a:t>
+            </a:r>
+            <a:r>
+              <a:rPr lang="en-US" sz="2000" dirty="0" err="1"/>
+              <a:t>cudaica</a:t>
+            </a:r>
+            <a:r>
+              <a:rPr lang="en-US" sz="2000" dirty="0"/>
+              <a:t> binary exe file to use. Please make sure your Intel MKL installation path contains one of the above two patterns.</a:t>
+            </a:r>
+          </a:p>
+        </p:txBody>
+      </p:sp>
+      <p:sp>
+        <p:nvSpPr>
+          <p:cNvPr id="4" name="Slide Number Placeholder 3">
+            <a:extLst>
+              <a:ext uri="{FF2B5EF4-FFF2-40B4-BE49-F238E27FC236}">
+                <a16:creationId xmlns:a16="http://schemas.microsoft.com/office/drawing/2014/main" id="{2C850F14-C104-4401-811A-D4A684C8F63B}"/>
+              </a:ext>
+            </a:extLst>
+          </p:cNvPr>
+          <p:cNvSpPr>
+            <a:spLocks noGrp="1"/>
+          </p:cNvSpPr>
+          <p:nvPr>
+            <p:ph type="sldNum" sz="quarter" idx="12"/>
+          </p:nvPr>
+        </p:nvSpPr>
+        <p:spPr/>
+        <p:txBody>
+          <a:bodyPr/>
+          <a:lstStyle/>
+          <a:p>
+            <a:fld id="{3280F924-4C9A-4EB0-91BE-D36BC6E675A1}" type="slidenum">
+              <a:rPr lang="en-US" smtClean="0"/>
+              <a:t>19</a:t>
+            </a:fld>
+            <a:endParaRPr lang="en-US"/>
           </a:p>
         </p:txBody>
       </p:sp>
@@ -7208,6 +6686,35 @@
           </a:prstGeom>
         </p:spPr>
       </p:pic>
+      <p:sp>
+        <p:nvSpPr>
+          <p:cNvPr id="3" name="Slide Number Placeholder 2">
+            <a:extLst>
+              <a:ext uri="{FF2B5EF4-FFF2-40B4-BE49-F238E27FC236}">
+                <a16:creationId xmlns:a16="http://schemas.microsoft.com/office/drawing/2014/main" id="{ACBF1864-70C0-480E-B3A9-A4F236CCE05F}"/>
+              </a:ext>
+            </a:extLst>
+          </p:cNvPr>
+          <p:cNvSpPr>
+            <a:spLocks noGrp="1"/>
+          </p:cNvSpPr>
+          <p:nvPr>
+            <p:ph type="sldNum" sz="quarter" idx="12"/>
+          </p:nvPr>
+        </p:nvSpPr>
+        <p:spPr/>
+        <p:txBody>
+          <a:bodyPr/>
+          <a:lstStyle/>
+          <a:p>
+            <a:fld id="{3280F924-4C9A-4EB0-91BE-D36BC6E675A1}" type="slidenum">
+              <a:rPr lang="en-US" smtClean="0"/>
+              <a:t>2</a:t>
+            </a:fld>
+            <a:endParaRPr lang="en-US"/>
+          </a:p>
+        </p:txBody>
+      </p:sp>
     </p:spTree>
     <p:extLst>
       <p:ext uri="{BB962C8B-B14F-4D97-AF65-F5344CB8AC3E}">
@@ -7309,6 +6816,35 @@
           </a:p>
           <a:p>
             <a:endParaRPr lang="en-US" dirty="0"/>
+          </a:p>
+        </p:txBody>
+      </p:sp>
+      <p:sp>
+        <p:nvSpPr>
+          <p:cNvPr id="4" name="Slide Number Placeholder 3">
+            <a:extLst>
+              <a:ext uri="{FF2B5EF4-FFF2-40B4-BE49-F238E27FC236}">
+                <a16:creationId xmlns:a16="http://schemas.microsoft.com/office/drawing/2014/main" id="{7115C179-7186-4885-90D2-0E309BE4E941}"/>
+              </a:ext>
+            </a:extLst>
+          </p:cNvPr>
+          <p:cNvSpPr>
+            <a:spLocks noGrp="1"/>
+          </p:cNvSpPr>
+          <p:nvPr>
+            <p:ph type="sldNum" sz="quarter" idx="12"/>
+          </p:nvPr>
+        </p:nvSpPr>
+        <p:spPr/>
+        <p:txBody>
+          <a:bodyPr/>
+          <a:lstStyle/>
+          <a:p>
+            <a:fld id="{3280F924-4C9A-4EB0-91BE-D36BC6E675A1}" type="slidenum">
+              <a:rPr lang="en-US" smtClean="0"/>
+              <a:t>3</a:t>
+            </a:fld>
+            <a:endParaRPr lang="en-US"/>
           </a:p>
         </p:txBody>
       </p:sp>
@@ -7658,6 +7194,35 @@
           </p:style>
         </p:cxnSp>
       </p:grpSp>
+      <p:sp>
+        <p:nvSpPr>
+          <p:cNvPr id="4" name="Slide Number Placeholder 3">
+            <a:extLst>
+              <a:ext uri="{FF2B5EF4-FFF2-40B4-BE49-F238E27FC236}">
+                <a16:creationId xmlns:a16="http://schemas.microsoft.com/office/drawing/2014/main" id="{A0189A00-0136-40C9-BF5D-182EE108EAD5}"/>
+              </a:ext>
+            </a:extLst>
+          </p:cNvPr>
+          <p:cNvSpPr>
+            <a:spLocks noGrp="1"/>
+          </p:cNvSpPr>
+          <p:nvPr>
+            <p:ph type="sldNum" sz="quarter" idx="12"/>
+          </p:nvPr>
+        </p:nvSpPr>
+        <p:spPr/>
+        <p:txBody>
+          <a:bodyPr/>
+          <a:lstStyle/>
+          <a:p>
+            <a:fld id="{3280F924-4C9A-4EB0-91BE-D36BC6E675A1}" type="slidenum">
+              <a:rPr lang="en-US" smtClean="0"/>
+              <a:t>4</a:t>
+            </a:fld>
+            <a:endParaRPr lang="en-US"/>
+          </a:p>
+        </p:txBody>
+      </p:sp>
     </p:spTree>
     <p:extLst>
       <p:ext uri="{BB962C8B-B14F-4D97-AF65-F5344CB8AC3E}">
@@ -7846,6 +7411,35 @@
           </a:p>
         </p:txBody>
       </p:sp>
+      <p:sp>
+        <p:nvSpPr>
+          <p:cNvPr id="4" name="Slide Number Placeholder 3">
+            <a:extLst>
+              <a:ext uri="{FF2B5EF4-FFF2-40B4-BE49-F238E27FC236}">
+                <a16:creationId xmlns:a16="http://schemas.microsoft.com/office/drawing/2014/main" id="{7A02883E-384D-49A8-8FC2-58B2278A4B11}"/>
+              </a:ext>
+            </a:extLst>
+          </p:cNvPr>
+          <p:cNvSpPr>
+            <a:spLocks noGrp="1"/>
+          </p:cNvSpPr>
+          <p:nvPr>
+            <p:ph type="sldNum" sz="quarter" idx="12"/>
+          </p:nvPr>
+        </p:nvSpPr>
+        <p:spPr/>
+        <p:txBody>
+          <a:bodyPr/>
+          <a:lstStyle/>
+          <a:p>
+            <a:fld id="{3280F924-4C9A-4EB0-91BE-D36BC6E675A1}" type="slidenum">
+              <a:rPr lang="en-US" smtClean="0"/>
+              <a:t>5</a:t>
+            </a:fld>
+            <a:endParaRPr lang="en-US"/>
+          </a:p>
+        </p:txBody>
+      </p:sp>
     </p:spTree>
     <p:extLst>
       <p:ext uri="{BB962C8B-B14F-4D97-AF65-F5344CB8AC3E}">
@@ -8026,6 +7620,35 @@
           </a:p>
         </p:txBody>
       </p:sp>
+      <p:sp>
+        <p:nvSpPr>
+          <p:cNvPr id="4" name="Slide Number Placeholder 3">
+            <a:extLst>
+              <a:ext uri="{FF2B5EF4-FFF2-40B4-BE49-F238E27FC236}">
+                <a16:creationId xmlns:a16="http://schemas.microsoft.com/office/drawing/2014/main" id="{6025889A-4B31-4038-A592-7AEEA13D939D}"/>
+              </a:ext>
+            </a:extLst>
+          </p:cNvPr>
+          <p:cNvSpPr>
+            <a:spLocks noGrp="1"/>
+          </p:cNvSpPr>
+          <p:nvPr>
+            <p:ph type="sldNum" sz="quarter" idx="12"/>
+          </p:nvPr>
+        </p:nvSpPr>
+        <p:spPr/>
+        <p:txBody>
+          <a:bodyPr/>
+          <a:lstStyle/>
+          <a:p>
+            <a:fld id="{3280F924-4C9A-4EB0-91BE-D36BC6E675A1}" type="slidenum">
+              <a:rPr lang="en-US" smtClean="0"/>
+              <a:t>6</a:t>
+            </a:fld>
+            <a:endParaRPr lang="en-US"/>
+          </a:p>
+        </p:txBody>
+      </p:sp>
     </p:spTree>
     <p:extLst>
       <p:ext uri="{BB962C8B-B14F-4D97-AF65-F5344CB8AC3E}">
@@ -8036,320 +7659,6 @@
   <p:clrMapOvr>
     <a:masterClrMapping/>
   </p:clrMapOvr>
-  <p:timing>
-    <p:tnLst>
-      <p:par>
-        <p:cTn id="1" dur="indefinite" restart="never" nodeType="tmRoot">
-          <p:childTnLst>
-            <p:seq concurrent="1" nextAc="seek">
-              <p:cTn id="2" dur="indefinite" nodeType="mainSeq">
-                <p:childTnLst>
-                  <p:par>
-                    <p:cTn id="3" fill="hold">
-                      <p:stCondLst>
-                        <p:cond delay="indefinite"/>
-                      </p:stCondLst>
-                      <p:childTnLst>
-                        <p:par>
-                          <p:cTn id="4" fill="hold">
-                            <p:stCondLst>
-                              <p:cond delay="0"/>
-                            </p:stCondLst>
-                            <p:childTnLst>
-                              <p:par>
-                                <p:cTn id="5" presetID="1" presetClass="entr" presetSubtype="0" fill="hold" nodeType="clickEffect">
-                                  <p:stCondLst>
-                                    <p:cond delay="0"/>
-                                  </p:stCondLst>
-                                  <p:childTnLst>
-                                    <p:set>
-                                      <p:cBhvr>
-                                        <p:cTn id="6" dur="1" fill="hold">
-                                          <p:stCondLst>
-                                            <p:cond delay="0"/>
-                                          </p:stCondLst>
-                                        </p:cTn>
-                                        <p:tgtEl>
-                                          <p:spTgt spid="3">
-                                            <p:txEl>
-                                              <p:pRg st="0" end="0"/>
-                                            </p:txEl>
-                                          </p:spTgt>
-                                        </p:tgtEl>
-                                        <p:attrNameLst>
-                                          <p:attrName>style.visibility</p:attrName>
-                                        </p:attrNameLst>
-                                      </p:cBhvr>
-                                      <p:to>
-                                        <p:strVal val="visible"/>
-                                      </p:to>
-                                    </p:set>
-                                  </p:childTnLst>
-                                </p:cTn>
-                              </p:par>
-                              <p:par>
-                                <p:cTn id="7" presetID="1" presetClass="entr" presetSubtype="0" fill="hold" nodeType="withEffect">
-                                  <p:stCondLst>
-                                    <p:cond delay="0"/>
-                                  </p:stCondLst>
-                                  <p:childTnLst>
-                                    <p:set>
-                                      <p:cBhvr>
-                                        <p:cTn id="8" dur="1" fill="hold">
-                                          <p:stCondLst>
-                                            <p:cond delay="0"/>
-                                          </p:stCondLst>
-                                        </p:cTn>
-                                        <p:tgtEl>
-                                          <p:spTgt spid="3">
-                                            <p:txEl>
-                                              <p:pRg st="1" end="1"/>
-                                            </p:txEl>
-                                          </p:spTgt>
-                                        </p:tgtEl>
-                                        <p:attrNameLst>
-                                          <p:attrName>style.visibility</p:attrName>
-                                        </p:attrNameLst>
-                                      </p:cBhvr>
-                                      <p:to>
-                                        <p:strVal val="visible"/>
-                                      </p:to>
-                                    </p:set>
-                                  </p:childTnLst>
-                                </p:cTn>
-                              </p:par>
-                              <p:par>
-                                <p:cTn id="9" presetID="1" presetClass="entr" presetSubtype="0" fill="hold" nodeType="withEffect">
-                                  <p:stCondLst>
-                                    <p:cond delay="0"/>
-                                  </p:stCondLst>
-                                  <p:childTnLst>
-                                    <p:set>
-                                      <p:cBhvr>
-                                        <p:cTn id="10" dur="1" fill="hold">
-                                          <p:stCondLst>
-                                            <p:cond delay="0"/>
-                                          </p:stCondLst>
-                                        </p:cTn>
-                                        <p:tgtEl>
-                                          <p:spTgt spid="3">
-                                            <p:txEl>
-                                              <p:pRg st="2" end="2"/>
-                                            </p:txEl>
-                                          </p:spTgt>
-                                        </p:tgtEl>
-                                        <p:attrNameLst>
-                                          <p:attrName>style.visibility</p:attrName>
-                                        </p:attrNameLst>
-                                      </p:cBhvr>
-                                      <p:to>
-                                        <p:strVal val="visible"/>
-                                      </p:to>
-                                    </p:set>
-                                  </p:childTnLst>
-                                </p:cTn>
-                              </p:par>
-                            </p:childTnLst>
-                          </p:cTn>
-                        </p:par>
-                      </p:childTnLst>
-                    </p:cTn>
-                  </p:par>
-                  <p:par>
-                    <p:cTn id="11" fill="hold">
-                      <p:stCondLst>
-                        <p:cond delay="indefinite"/>
-                      </p:stCondLst>
-                      <p:childTnLst>
-                        <p:par>
-                          <p:cTn id="12" fill="hold">
-                            <p:stCondLst>
-                              <p:cond delay="0"/>
-                            </p:stCondLst>
-                            <p:childTnLst>
-                              <p:par>
-                                <p:cTn id="13" presetID="1" presetClass="entr" presetSubtype="0" fill="hold" nodeType="clickEffect">
-                                  <p:stCondLst>
-                                    <p:cond delay="0"/>
-                                  </p:stCondLst>
-                                  <p:childTnLst>
-                                    <p:set>
-                                      <p:cBhvr>
-                                        <p:cTn id="14" dur="1" fill="hold">
-                                          <p:stCondLst>
-                                            <p:cond delay="0"/>
-                                          </p:stCondLst>
-                                        </p:cTn>
-                                        <p:tgtEl>
-                                          <p:spTgt spid="3">
-                                            <p:txEl>
-                                              <p:pRg st="5" end="5"/>
-                                            </p:txEl>
-                                          </p:spTgt>
-                                        </p:tgtEl>
-                                        <p:attrNameLst>
-                                          <p:attrName>style.visibility</p:attrName>
-                                        </p:attrNameLst>
-                                      </p:cBhvr>
-                                      <p:to>
-                                        <p:strVal val="visible"/>
-                                      </p:to>
-                                    </p:set>
-                                  </p:childTnLst>
-                                </p:cTn>
-                              </p:par>
-                              <p:par>
-                                <p:cTn id="15" presetID="1" presetClass="entr" presetSubtype="0" fill="hold" nodeType="withEffect">
-                                  <p:stCondLst>
-                                    <p:cond delay="0"/>
-                                  </p:stCondLst>
-                                  <p:childTnLst>
-                                    <p:set>
-                                      <p:cBhvr>
-                                        <p:cTn id="16" dur="1" fill="hold">
-                                          <p:stCondLst>
-                                            <p:cond delay="0"/>
-                                          </p:stCondLst>
-                                        </p:cTn>
-                                        <p:tgtEl>
-                                          <p:spTgt spid="3">
-                                            <p:txEl>
-                                              <p:pRg st="6" end="6"/>
-                                            </p:txEl>
-                                          </p:spTgt>
-                                        </p:tgtEl>
-                                        <p:attrNameLst>
-                                          <p:attrName>style.visibility</p:attrName>
-                                        </p:attrNameLst>
-                                      </p:cBhvr>
-                                      <p:to>
-                                        <p:strVal val="visible"/>
-                                      </p:to>
-                                    </p:set>
-                                  </p:childTnLst>
-                                </p:cTn>
-                              </p:par>
-                              <p:par>
-                                <p:cTn id="17" presetID="1" presetClass="entr" presetSubtype="0" fill="hold" nodeType="withEffect">
-                                  <p:stCondLst>
-                                    <p:cond delay="0"/>
-                                  </p:stCondLst>
-                                  <p:childTnLst>
-                                    <p:set>
-                                      <p:cBhvr>
-                                        <p:cTn id="18" dur="1" fill="hold">
-                                          <p:stCondLst>
-                                            <p:cond delay="0"/>
-                                          </p:stCondLst>
-                                        </p:cTn>
-                                        <p:tgtEl>
-                                          <p:spTgt spid="3">
-                                            <p:txEl>
-                                              <p:pRg st="7" end="7"/>
-                                            </p:txEl>
-                                          </p:spTgt>
-                                        </p:tgtEl>
-                                        <p:attrNameLst>
-                                          <p:attrName>style.visibility</p:attrName>
-                                        </p:attrNameLst>
-                                      </p:cBhvr>
-                                      <p:to>
-                                        <p:strVal val="visible"/>
-                                      </p:to>
-                                    </p:set>
-                                  </p:childTnLst>
-                                </p:cTn>
-                              </p:par>
-                              <p:par>
-                                <p:cTn id="19" presetID="1" presetClass="entr" presetSubtype="0" fill="hold" nodeType="withEffect">
-                                  <p:stCondLst>
-                                    <p:cond delay="0"/>
-                                  </p:stCondLst>
-                                  <p:childTnLst>
-                                    <p:set>
-                                      <p:cBhvr>
-                                        <p:cTn id="20" dur="1" fill="hold">
-                                          <p:stCondLst>
-                                            <p:cond delay="0"/>
-                                          </p:stCondLst>
-                                        </p:cTn>
-                                        <p:tgtEl>
-                                          <p:spTgt spid="3">
-                                            <p:txEl>
-                                              <p:pRg st="8" end="8"/>
-                                            </p:txEl>
-                                          </p:spTgt>
-                                        </p:tgtEl>
-                                        <p:attrNameLst>
-                                          <p:attrName>style.visibility</p:attrName>
-                                        </p:attrNameLst>
-                                      </p:cBhvr>
-                                      <p:to>
-                                        <p:strVal val="visible"/>
-                                      </p:to>
-                                    </p:set>
-                                  </p:childTnLst>
-                                </p:cTn>
-                              </p:par>
-                              <p:par>
-                                <p:cTn id="21" presetID="1" presetClass="entr" presetSubtype="0" fill="hold" nodeType="withEffect">
-                                  <p:stCondLst>
-                                    <p:cond delay="0"/>
-                                  </p:stCondLst>
-                                  <p:childTnLst>
-                                    <p:set>
-                                      <p:cBhvr>
-                                        <p:cTn id="22" dur="1" fill="hold">
-                                          <p:stCondLst>
-                                            <p:cond delay="0"/>
-                                          </p:stCondLst>
-                                        </p:cTn>
-                                        <p:tgtEl>
-                                          <p:spTgt spid="3">
-                                            <p:txEl>
-                                              <p:pRg st="9" end="9"/>
-                                            </p:txEl>
-                                          </p:spTgt>
-                                        </p:tgtEl>
-                                        <p:attrNameLst>
-                                          <p:attrName>style.visibility</p:attrName>
-                                        </p:attrNameLst>
-                                      </p:cBhvr>
-                                      <p:to>
-                                        <p:strVal val="visible"/>
-                                      </p:to>
-                                    </p:set>
-                                  </p:childTnLst>
-                                </p:cTn>
-                              </p:par>
-                            </p:childTnLst>
-                          </p:cTn>
-                        </p:par>
-                      </p:childTnLst>
-                    </p:cTn>
-                  </p:par>
-                </p:childTnLst>
-              </p:cTn>
-              <p:prevCondLst>
-                <p:cond evt="onPrev" delay="0">
-                  <p:tgtEl>
-                    <p:sldTgt/>
-                  </p:tgtEl>
-                </p:cond>
-              </p:prevCondLst>
-              <p:nextCondLst>
-                <p:cond evt="onNext" delay="0">
-                  <p:tgtEl>
-                    <p:sldTgt/>
-                  </p:tgtEl>
-                </p:cond>
-              </p:nextCondLst>
-            </p:seq>
-          </p:childTnLst>
-        </p:cTn>
-      </p:par>
-    </p:tnLst>
-  </p:timing>
 </p:sld>
 </file>
 
@@ -8452,6 +7761,35 @@
           </a:prstGeom>
         </p:spPr>
       </p:pic>
+      <p:sp>
+        <p:nvSpPr>
+          <p:cNvPr id="3" name="Slide Number Placeholder 2">
+            <a:extLst>
+              <a:ext uri="{FF2B5EF4-FFF2-40B4-BE49-F238E27FC236}">
+                <a16:creationId xmlns:a16="http://schemas.microsoft.com/office/drawing/2014/main" id="{F7290BED-F3F9-41D2-8CA0-FB627AE3BD7A}"/>
+              </a:ext>
+            </a:extLst>
+          </p:cNvPr>
+          <p:cNvSpPr>
+            <a:spLocks noGrp="1"/>
+          </p:cNvSpPr>
+          <p:nvPr>
+            <p:ph type="sldNum" sz="quarter" idx="12"/>
+          </p:nvPr>
+        </p:nvSpPr>
+        <p:spPr/>
+        <p:txBody>
+          <a:bodyPr/>
+          <a:lstStyle/>
+          <a:p>
+            <a:fld id="{3280F924-4C9A-4EB0-91BE-D36BC6E675A1}" type="slidenum">
+              <a:rPr lang="en-US" smtClean="0"/>
+              <a:t>7</a:t>
+            </a:fld>
+            <a:endParaRPr lang="en-US"/>
+          </a:p>
+        </p:txBody>
+      </p:sp>
     </p:spTree>
     <p:extLst>
       <p:ext uri="{BB962C8B-B14F-4D97-AF65-F5344CB8AC3E}">
@@ -8564,6 +7902,35 @@
           </a:prstGeom>
         </p:spPr>
       </p:pic>
+      <p:sp>
+        <p:nvSpPr>
+          <p:cNvPr id="3" name="Slide Number Placeholder 2">
+            <a:extLst>
+              <a:ext uri="{FF2B5EF4-FFF2-40B4-BE49-F238E27FC236}">
+                <a16:creationId xmlns:a16="http://schemas.microsoft.com/office/drawing/2014/main" id="{DA7E6FD6-4FC8-4279-8B6A-181DED51CD27}"/>
+              </a:ext>
+            </a:extLst>
+          </p:cNvPr>
+          <p:cNvSpPr>
+            <a:spLocks noGrp="1"/>
+          </p:cNvSpPr>
+          <p:nvPr>
+            <p:ph type="sldNum" sz="quarter" idx="12"/>
+          </p:nvPr>
+        </p:nvSpPr>
+        <p:spPr/>
+        <p:txBody>
+          <a:bodyPr/>
+          <a:lstStyle/>
+          <a:p>
+            <a:fld id="{3280F924-4C9A-4EB0-91BE-D36BC6E675A1}" type="slidenum">
+              <a:rPr lang="en-US" smtClean="0"/>
+              <a:t>8</a:t>
+            </a:fld>
+            <a:endParaRPr lang="en-US"/>
+          </a:p>
+        </p:txBody>
+      </p:sp>
     </p:spTree>
     <p:extLst>
       <p:ext uri="{BB962C8B-B14F-4D97-AF65-F5344CB8AC3E}">
@@ -8676,6 +8043,35 @@
           </a:prstGeom>
         </p:spPr>
       </p:pic>
+      <p:sp>
+        <p:nvSpPr>
+          <p:cNvPr id="3" name="Slide Number Placeholder 2">
+            <a:extLst>
+              <a:ext uri="{FF2B5EF4-FFF2-40B4-BE49-F238E27FC236}">
+                <a16:creationId xmlns:a16="http://schemas.microsoft.com/office/drawing/2014/main" id="{5DCACBAE-1CC2-41C6-BF25-86E6A01E95B1}"/>
+              </a:ext>
+            </a:extLst>
+          </p:cNvPr>
+          <p:cNvSpPr>
+            <a:spLocks noGrp="1"/>
+          </p:cNvSpPr>
+          <p:nvPr>
+            <p:ph type="sldNum" sz="quarter" idx="12"/>
+          </p:nvPr>
+        </p:nvSpPr>
+        <p:spPr/>
+        <p:txBody>
+          <a:bodyPr/>
+          <a:lstStyle/>
+          <a:p>
+            <a:fld id="{3280F924-4C9A-4EB0-91BE-D36BC6E675A1}" type="slidenum">
+              <a:rPr lang="en-US" smtClean="0"/>
+              <a:t>9</a:t>
+            </a:fld>
+            <a:endParaRPr lang="en-US"/>
+          </a:p>
+        </p:txBody>
+      </p:sp>
     </p:spTree>
     <p:extLst>
       <p:ext uri="{BB962C8B-B14F-4D97-AF65-F5344CB8AC3E}">
